--- a/PPT_FINAL.pptx
+++ b/PPT_FINAL.pptx
@@ -13,9 +13,9 @@
     <p:sldId id="262" r:id="rId7"/>
     <p:sldId id="263" r:id="rId8"/>
     <p:sldId id="264" r:id="rId9"/>
-    <p:sldId id="265" r:id="rId10"/>
+    <p:sldId id="267" r:id="rId10"/>
     <p:sldId id="266" r:id="rId11"/>
-    <p:sldId id="267" r:id="rId12"/>
+    <p:sldId id="265" r:id="rId12"/>
     <p:sldId id="268" r:id="rId13"/>
     <p:sldId id="269" r:id="rId14"/>
     <p:sldId id="270" r:id="rId15"/>
@@ -184,7 +184,7 @@
           </a:lstStyle>
           <a:p>
             <a:r>
-              <a:rPr lang="en-US" smtClean="0"/>
+              <a:rPr lang="en-US"/>
               <a:t>Click to edit Master title style</a:t>
             </a:r>
             <a:endParaRPr lang="en-US" dirty="0"/>
@@ -249,7 +249,7 @@
           </a:lstStyle>
           <a:p>
             <a:r>
-              <a:rPr lang="en-US" smtClean="0"/>
+              <a:rPr lang="en-US"/>
               <a:t>Click to edit Master subtitle style</a:t>
             </a:r>
             <a:endParaRPr lang="en-US" dirty="0"/>
@@ -273,7 +273,7 @@
           <a:p>
             <a:fld id="{403CB87E-4591-47A1-9046-CF63F17215EF}" type="datetime2">
               <a:rPr lang="en-US" smtClean="0"/>
-              <a:t>Monday, September 26, 2022</a:t>
+              <a:t>Tuesday, September 27, 2022</a:t>
             </a:fld>
             <a:endParaRPr lang="en-US" dirty="0"/>
           </a:p>
@@ -295,7 +295,7 @@
           <a:lstStyle/>
           <a:p>
             <a:r>
-              <a:rPr lang="en-US" smtClean="0"/>
+              <a:rPr lang="en-US"/>
               <a:t>Sample Footer Text</a:t>
             </a:r>
             <a:endParaRPr lang="en-US" dirty="0"/>
@@ -371,7 +371,7 @@
           <a:lstStyle/>
           <a:p>
             <a:r>
-              <a:rPr lang="en-US" smtClean="0"/>
+              <a:rPr lang="en-US"/>
               <a:t>Click to edit Master title style</a:t>
             </a:r>
             <a:endParaRPr lang="en-US" dirty="0"/>
@@ -395,35 +395,35 @@
           <a:p>
             <a:pPr lvl="0"/>
             <a:r>
-              <a:rPr lang="en-US" smtClean="0"/>
+              <a:rPr lang="en-US"/>
               <a:t>Click to edit Master text styles</a:t>
             </a:r>
           </a:p>
           <a:p>
             <a:pPr lvl="1"/>
             <a:r>
-              <a:rPr lang="en-US" smtClean="0"/>
+              <a:rPr lang="en-US"/>
               <a:t>Second level</a:t>
             </a:r>
           </a:p>
           <a:p>
             <a:pPr lvl="2"/>
             <a:r>
-              <a:rPr lang="en-US" smtClean="0"/>
+              <a:rPr lang="en-US"/>
               <a:t>Third level</a:t>
             </a:r>
           </a:p>
           <a:p>
             <a:pPr lvl="3"/>
             <a:r>
-              <a:rPr lang="en-US" smtClean="0"/>
+              <a:rPr lang="en-US"/>
               <a:t>Fourth level</a:t>
             </a:r>
           </a:p>
           <a:p>
             <a:pPr lvl="4"/>
             <a:r>
-              <a:rPr lang="en-US" smtClean="0"/>
+              <a:rPr lang="en-US"/>
               <a:t>Fifth level</a:t>
             </a:r>
             <a:endParaRPr lang="en-US" dirty="0"/>
@@ -447,7 +447,7 @@
           <a:p>
             <a:fld id="{2FA17F0E-8070-4DFE-A821-9A699EDBAD7E}" type="datetime2">
               <a:rPr lang="en-US" smtClean="0"/>
-              <a:t>Monday, September 26, 2022</a:t>
+              <a:t>Tuesday, September 27, 2022</a:t>
             </a:fld>
             <a:endParaRPr lang="en-US"/>
           </a:p>
@@ -469,10 +469,9 @@
           <a:lstStyle/>
           <a:p>
             <a:r>
-              <a:rPr lang="en-US" smtClean="0"/>
+              <a:rPr lang="en-US"/>
               <a:t>Sample Footer Text</a:t>
             </a:r>
-            <a:endParaRPr lang="en-US"/>
           </a:p>
         </p:txBody>
       </p:sp>
@@ -551,7 +550,7 @@
           <a:lstStyle/>
           <a:p>
             <a:r>
-              <a:rPr lang="en-US" smtClean="0"/>
+              <a:rPr lang="en-US"/>
               <a:t>Click to edit Master title style</a:t>
             </a:r>
             <a:endParaRPr lang="en-US" dirty="0"/>
@@ -580,35 +579,35 @@
           <a:p>
             <a:pPr lvl="0"/>
             <a:r>
-              <a:rPr lang="en-US" smtClean="0"/>
+              <a:rPr lang="en-US"/>
               <a:t>Click to edit Master text styles</a:t>
             </a:r>
           </a:p>
           <a:p>
             <a:pPr lvl="1"/>
             <a:r>
-              <a:rPr lang="en-US" smtClean="0"/>
+              <a:rPr lang="en-US"/>
               <a:t>Second level</a:t>
             </a:r>
           </a:p>
           <a:p>
             <a:pPr lvl="2"/>
             <a:r>
-              <a:rPr lang="en-US" smtClean="0"/>
+              <a:rPr lang="en-US"/>
               <a:t>Third level</a:t>
             </a:r>
           </a:p>
           <a:p>
             <a:pPr lvl="3"/>
             <a:r>
-              <a:rPr lang="en-US" smtClean="0"/>
+              <a:rPr lang="en-US"/>
               <a:t>Fourth level</a:t>
             </a:r>
           </a:p>
           <a:p>
             <a:pPr lvl="4"/>
             <a:r>
-              <a:rPr lang="en-US" smtClean="0"/>
+              <a:rPr lang="en-US"/>
               <a:t>Fifth level</a:t>
             </a:r>
             <a:endParaRPr lang="en-US" dirty="0"/>
@@ -632,7 +631,7 @@
           <a:p>
             <a:fld id="{D88D34AE-C7BF-46E5-A968-01C6641F6476}" type="datetime2">
               <a:rPr lang="en-US" smtClean="0"/>
-              <a:t>Monday, September 26, 2022</a:t>
+              <a:t>Tuesday, September 27, 2022</a:t>
             </a:fld>
             <a:endParaRPr lang="en-US"/>
           </a:p>
@@ -654,10 +653,9 @@
           <a:lstStyle/>
           <a:p>
             <a:r>
-              <a:rPr lang="en-US" smtClean="0"/>
+              <a:rPr lang="en-US"/>
               <a:t>Sample Footer Text</a:t>
             </a:r>
-            <a:endParaRPr lang="en-US"/>
           </a:p>
         </p:txBody>
       </p:sp>
@@ -731,7 +729,7 @@
           <a:lstStyle/>
           <a:p>
             <a:r>
-              <a:rPr lang="en-US" smtClean="0"/>
+              <a:rPr lang="en-US"/>
               <a:t>Click to edit Master title style</a:t>
             </a:r>
             <a:endParaRPr lang="en-US" dirty="0"/>
@@ -755,35 +753,35 @@
           <a:p>
             <a:pPr lvl="0"/>
             <a:r>
-              <a:rPr lang="en-US" smtClean="0"/>
+              <a:rPr lang="en-US"/>
               <a:t>Click to edit Master text styles</a:t>
             </a:r>
           </a:p>
           <a:p>
             <a:pPr lvl="1"/>
             <a:r>
-              <a:rPr lang="en-US" smtClean="0"/>
+              <a:rPr lang="en-US"/>
               <a:t>Second level</a:t>
             </a:r>
           </a:p>
           <a:p>
             <a:pPr lvl="2"/>
             <a:r>
-              <a:rPr lang="en-US" smtClean="0"/>
+              <a:rPr lang="en-US"/>
               <a:t>Third level</a:t>
             </a:r>
           </a:p>
           <a:p>
             <a:pPr lvl="3"/>
             <a:r>
-              <a:rPr lang="en-US" smtClean="0"/>
+              <a:rPr lang="en-US"/>
               <a:t>Fourth level</a:t>
             </a:r>
           </a:p>
           <a:p>
             <a:pPr lvl="4"/>
             <a:r>
-              <a:rPr lang="en-US" smtClean="0"/>
+              <a:rPr lang="en-US"/>
               <a:t>Fifth level</a:t>
             </a:r>
             <a:endParaRPr lang="en-US" dirty="0"/>
@@ -807,7 +805,7 @@
           <a:p>
             <a:fld id="{F33DE70B-B772-416E-A790-995760B1742E}" type="datetime2">
               <a:rPr lang="en-US" smtClean="0"/>
-              <a:t>Monday, September 26, 2022</a:t>
+              <a:t>Tuesday, September 27, 2022</a:t>
             </a:fld>
             <a:endParaRPr lang="en-US" dirty="0"/>
           </a:p>
@@ -829,7 +827,7 @@
           <a:lstStyle/>
           <a:p>
             <a:r>
-              <a:rPr lang="en-US" smtClean="0"/>
+              <a:rPr lang="en-US"/>
               <a:t>Sample Footer Text</a:t>
             </a:r>
             <a:endParaRPr lang="en-US" dirty="0"/>
@@ -915,7 +913,7 @@
           </a:lstStyle>
           <a:p>
             <a:r>
-              <a:rPr lang="en-US" smtClean="0"/>
+              <a:rPr lang="en-US"/>
               <a:t>Click to edit Master title style</a:t>
             </a:r>
             <a:endParaRPr lang="en-US" dirty="0"/>
@@ -1035,7 +1033,7 @@
           <a:p>
             <a:pPr lvl="0"/>
             <a:r>
-              <a:rPr lang="en-US" smtClean="0"/>
+              <a:rPr lang="en-US"/>
               <a:t>Click to edit Master text styles</a:t>
             </a:r>
           </a:p>
@@ -1058,7 +1056,7 @@
           <a:p>
             <a:fld id="{76760CDE-A6F1-4138-AF12-ED09E8E5FB6B}" type="datetime2">
               <a:rPr lang="en-US" smtClean="0"/>
-              <a:t>Monday, September 26, 2022</a:t>
+              <a:t>Tuesday, September 27, 2022</a:t>
             </a:fld>
             <a:endParaRPr lang="en-US"/>
           </a:p>
@@ -1080,10 +1078,9 @@
           <a:lstStyle/>
           <a:p>
             <a:r>
-              <a:rPr lang="en-US" smtClean="0"/>
+              <a:rPr lang="en-US"/>
               <a:t>Sample Footer Text</a:t>
             </a:r>
-            <a:endParaRPr lang="en-US"/>
           </a:p>
         </p:txBody>
       </p:sp>
@@ -1157,7 +1154,7 @@
           <a:lstStyle/>
           <a:p>
             <a:r>
-              <a:rPr lang="en-US" smtClean="0"/>
+              <a:rPr lang="en-US"/>
               <a:t>Click to edit Master title style</a:t>
             </a:r>
             <a:endParaRPr lang="en-US" dirty="0"/>
@@ -1186,35 +1183,35 @@
           <a:p>
             <a:pPr lvl="0"/>
             <a:r>
-              <a:rPr lang="en-US" smtClean="0"/>
+              <a:rPr lang="en-US"/>
               <a:t>Click to edit Master text styles</a:t>
             </a:r>
           </a:p>
           <a:p>
             <a:pPr lvl="1"/>
             <a:r>
-              <a:rPr lang="en-US" smtClean="0"/>
+              <a:rPr lang="en-US"/>
               <a:t>Second level</a:t>
             </a:r>
           </a:p>
           <a:p>
             <a:pPr lvl="2"/>
             <a:r>
-              <a:rPr lang="en-US" smtClean="0"/>
+              <a:rPr lang="en-US"/>
               <a:t>Third level</a:t>
             </a:r>
           </a:p>
           <a:p>
             <a:pPr lvl="3"/>
             <a:r>
-              <a:rPr lang="en-US" smtClean="0"/>
+              <a:rPr lang="en-US"/>
               <a:t>Fourth level</a:t>
             </a:r>
           </a:p>
           <a:p>
             <a:pPr lvl="4"/>
             <a:r>
-              <a:rPr lang="en-US" smtClean="0"/>
+              <a:rPr lang="en-US"/>
               <a:t>Fifth level</a:t>
             </a:r>
             <a:endParaRPr lang="en-US" dirty="0"/>
@@ -1243,35 +1240,35 @@
           <a:p>
             <a:pPr lvl="0"/>
             <a:r>
-              <a:rPr lang="en-US" smtClean="0"/>
+              <a:rPr lang="en-US"/>
               <a:t>Click to edit Master text styles</a:t>
             </a:r>
           </a:p>
           <a:p>
             <a:pPr lvl="1"/>
             <a:r>
-              <a:rPr lang="en-US" smtClean="0"/>
+              <a:rPr lang="en-US"/>
               <a:t>Second level</a:t>
             </a:r>
           </a:p>
           <a:p>
             <a:pPr lvl="2"/>
             <a:r>
-              <a:rPr lang="en-US" smtClean="0"/>
+              <a:rPr lang="en-US"/>
               <a:t>Third level</a:t>
             </a:r>
           </a:p>
           <a:p>
             <a:pPr lvl="3"/>
             <a:r>
-              <a:rPr lang="en-US" smtClean="0"/>
+              <a:rPr lang="en-US"/>
               <a:t>Fourth level</a:t>
             </a:r>
           </a:p>
           <a:p>
             <a:pPr lvl="4"/>
             <a:r>
-              <a:rPr lang="en-US" smtClean="0"/>
+              <a:rPr lang="en-US"/>
               <a:t>Fifth level</a:t>
             </a:r>
             <a:endParaRPr lang="en-US" dirty="0"/>
@@ -1295,7 +1292,7 @@
           <a:p>
             <a:fld id="{DB15F8B1-DB7B-4D28-A97D-40FB2DD1EF78}" type="datetime2">
               <a:rPr lang="en-US" smtClean="0"/>
-              <a:t>Monday, September 26, 2022</a:t>
+              <a:t>Tuesday, September 27, 2022</a:t>
             </a:fld>
             <a:endParaRPr lang="en-US"/>
           </a:p>
@@ -1317,10 +1314,9 @@
           <a:lstStyle/>
           <a:p>
             <a:r>
-              <a:rPr lang="en-US" smtClean="0"/>
+              <a:rPr lang="en-US"/>
               <a:t>Sample Footer Text</a:t>
             </a:r>
-            <a:endParaRPr lang="en-US"/>
           </a:p>
         </p:txBody>
       </p:sp>
@@ -1399,7 +1395,7 @@
           <a:lstStyle/>
           <a:p>
             <a:r>
-              <a:rPr lang="en-US" smtClean="0"/>
+              <a:rPr lang="en-US"/>
               <a:t>Click to edit Master title style</a:t>
             </a:r>
             <a:endParaRPr lang="en-US" dirty="0"/>
@@ -1465,7 +1461,7 @@
           <a:p>
             <a:pPr lvl="0"/>
             <a:r>
-              <a:rPr lang="en-US" smtClean="0"/>
+              <a:rPr lang="en-US"/>
               <a:t>Click to edit Master text styles</a:t>
             </a:r>
           </a:p>
@@ -1493,35 +1489,35 @@
           <a:p>
             <a:pPr lvl="0"/>
             <a:r>
-              <a:rPr lang="en-US" smtClean="0"/>
+              <a:rPr lang="en-US"/>
               <a:t>Click to edit Master text styles</a:t>
             </a:r>
           </a:p>
           <a:p>
             <a:pPr lvl="1"/>
             <a:r>
-              <a:rPr lang="en-US" smtClean="0"/>
+              <a:rPr lang="en-US"/>
               <a:t>Second level</a:t>
             </a:r>
           </a:p>
           <a:p>
             <a:pPr lvl="2"/>
             <a:r>
-              <a:rPr lang="en-US" smtClean="0"/>
+              <a:rPr lang="en-US"/>
               <a:t>Third level</a:t>
             </a:r>
           </a:p>
           <a:p>
             <a:pPr lvl="3"/>
             <a:r>
-              <a:rPr lang="en-US" smtClean="0"/>
+              <a:rPr lang="en-US"/>
               <a:t>Fourth level</a:t>
             </a:r>
           </a:p>
           <a:p>
             <a:pPr lvl="4"/>
             <a:r>
-              <a:rPr lang="en-US" smtClean="0"/>
+              <a:rPr lang="en-US"/>
               <a:t>Fifth level</a:t>
             </a:r>
             <a:endParaRPr lang="en-US" dirty="0"/>
@@ -1587,7 +1583,7 @@
           <a:p>
             <a:pPr lvl="0"/>
             <a:r>
-              <a:rPr lang="en-US" smtClean="0"/>
+              <a:rPr lang="en-US"/>
               <a:t>Click to edit Master text styles</a:t>
             </a:r>
           </a:p>
@@ -1615,35 +1611,35 @@
           <a:p>
             <a:pPr lvl="0"/>
             <a:r>
-              <a:rPr lang="en-US" smtClean="0"/>
+              <a:rPr lang="en-US"/>
               <a:t>Click to edit Master text styles</a:t>
             </a:r>
           </a:p>
           <a:p>
             <a:pPr lvl="1"/>
             <a:r>
-              <a:rPr lang="en-US" smtClean="0"/>
+              <a:rPr lang="en-US"/>
               <a:t>Second level</a:t>
             </a:r>
           </a:p>
           <a:p>
             <a:pPr lvl="2"/>
             <a:r>
-              <a:rPr lang="en-US" smtClean="0"/>
+              <a:rPr lang="en-US"/>
               <a:t>Third level</a:t>
             </a:r>
           </a:p>
           <a:p>
             <a:pPr lvl="3"/>
             <a:r>
-              <a:rPr lang="en-US" smtClean="0"/>
+              <a:rPr lang="en-US"/>
               <a:t>Fourth level</a:t>
             </a:r>
           </a:p>
           <a:p>
             <a:pPr lvl="4"/>
             <a:r>
-              <a:rPr lang="en-US" smtClean="0"/>
+              <a:rPr lang="en-US"/>
               <a:t>Fifth level</a:t>
             </a:r>
             <a:endParaRPr lang="en-US" dirty="0"/>
@@ -1667,7 +1663,7 @@
           <a:p>
             <a:fld id="{14039161-23B8-4738-9069-73EBE8884FDD}" type="datetime2">
               <a:rPr lang="en-US" smtClean="0"/>
-              <a:t>Monday, September 26, 2022</a:t>
+              <a:t>Tuesday, September 27, 2022</a:t>
             </a:fld>
             <a:endParaRPr lang="en-US"/>
           </a:p>
@@ -1689,10 +1685,9 @@
           <a:lstStyle/>
           <a:p>
             <a:r>
-              <a:rPr lang="en-US" smtClean="0"/>
+              <a:rPr lang="en-US"/>
               <a:t>Sample Footer Text</a:t>
             </a:r>
-            <a:endParaRPr lang="en-US"/>
           </a:p>
         </p:txBody>
       </p:sp>
@@ -1766,7 +1761,7 @@
           <a:lstStyle/>
           <a:p>
             <a:r>
-              <a:rPr lang="en-US" smtClean="0"/>
+              <a:rPr lang="en-US"/>
               <a:t>Click to edit Master title style</a:t>
             </a:r>
             <a:endParaRPr lang="en-US" dirty="0"/>
@@ -1790,7 +1785,7 @@
           <a:p>
             <a:fld id="{FA994D44-7693-499F-AC6C-11696134FE3F}" type="datetime2">
               <a:rPr lang="en-US" smtClean="0"/>
-              <a:t>Monday, September 26, 2022</a:t>
+              <a:t>Tuesday, September 27, 2022</a:t>
             </a:fld>
             <a:endParaRPr lang="en-US"/>
           </a:p>
@@ -1812,10 +1807,9 @@
           <a:lstStyle/>
           <a:p>
             <a:r>
-              <a:rPr lang="en-US" smtClean="0"/>
+              <a:rPr lang="en-US"/>
               <a:t>Sample Footer Text</a:t>
             </a:r>
-            <a:endParaRPr lang="en-US"/>
           </a:p>
         </p:txBody>
       </p:sp>
@@ -1890,7 +1884,7 @@
           <a:p>
             <a:fld id="{363AF2AE-472C-4EF3-ABB2-24BAA9AE3CF7}" type="datetime2">
               <a:rPr lang="en-US" smtClean="0"/>
-              <a:t>Monday, September 26, 2022</a:t>
+              <a:t>Tuesday, September 27, 2022</a:t>
             </a:fld>
             <a:endParaRPr lang="en-US"/>
           </a:p>
@@ -1912,10 +1906,9 @@
           <a:lstStyle/>
           <a:p>
             <a:r>
-              <a:rPr lang="en-US" smtClean="0"/>
+              <a:rPr lang="en-US"/>
               <a:t>Sample Footer Text</a:t>
             </a:r>
-            <a:endParaRPr lang="en-US"/>
           </a:p>
         </p:txBody>
       </p:sp>
@@ -1998,7 +1991,7 @@
           </a:lstStyle>
           <a:p>
             <a:r>
-              <a:rPr lang="en-US" smtClean="0"/>
+              <a:rPr lang="en-US"/>
               <a:t>Click to edit Master title style</a:t>
             </a:r>
             <a:endParaRPr lang="en-US" dirty="0"/>
@@ -2055,35 +2048,35 @@
           <a:p>
             <a:pPr lvl="0"/>
             <a:r>
-              <a:rPr lang="en-US" smtClean="0"/>
+              <a:rPr lang="en-US"/>
               <a:t>Click to edit Master text styles</a:t>
             </a:r>
           </a:p>
           <a:p>
             <a:pPr lvl="1"/>
             <a:r>
-              <a:rPr lang="en-US" smtClean="0"/>
+              <a:rPr lang="en-US"/>
               <a:t>Second level</a:t>
             </a:r>
           </a:p>
           <a:p>
             <a:pPr lvl="2"/>
             <a:r>
-              <a:rPr lang="en-US" smtClean="0"/>
+              <a:rPr lang="en-US"/>
               <a:t>Third level</a:t>
             </a:r>
           </a:p>
           <a:p>
             <a:pPr lvl="3"/>
             <a:r>
-              <a:rPr lang="en-US" smtClean="0"/>
+              <a:rPr lang="en-US"/>
               <a:t>Fourth level</a:t>
             </a:r>
           </a:p>
           <a:p>
             <a:pPr lvl="4"/>
             <a:r>
-              <a:rPr lang="en-US" smtClean="0"/>
+              <a:rPr lang="en-US"/>
               <a:t>Fifth level</a:t>
             </a:r>
             <a:endParaRPr lang="en-US" dirty="0"/>
@@ -2149,7 +2142,7 @@
           <a:p>
             <a:pPr lvl="0"/>
             <a:r>
-              <a:rPr lang="en-US" smtClean="0"/>
+              <a:rPr lang="en-US"/>
               <a:t>Click to edit Master text styles</a:t>
             </a:r>
           </a:p>
@@ -2172,7 +2165,7 @@
           <a:p>
             <a:fld id="{EAEA162C-A7C1-4263-9453-1BAFF8C39559}" type="datetime2">
               <a:rPr lang="en-US" smtClean="0"/>
-              <a:t>Monday, September 26, 2022</a:t>
+              <a:t>Tuesday, September 27, 2022</a:t>
             </a:fld>
             <a:endParaRPr lang="en-US"/>
           </a:p>
@@ -2194,10 +2187,9 @@
           <a:lstStyle/>
           <a:p>
             <a:r>
-              <a:rPr lang="en-US" smtClean="0"/>
+              <a:rPr lang="en-US"/>
               <a:t>Sample Footer Text</a:t>
             </a:r>
-            <a:endParaRPr lang="en-US"/>
           </a:p>
         </p:txBody>
       </p:sp>
@@ -2280,7 +2272,7 @@
           </a:lstStyle>
           <a:p>
             <a:r>
-              <a:rPr lang="en-US" smtClean="0"/>
+              <a:rPr lang="en-US"/>
               <a:t>Click to edit Master title style</a:t>
             </a:r>
             <a:endParaRPr lang="en-US" dirty="0"/>
@@ -2345,7 +2337,7 @@
           </a:lstStyle>
           <a:p>
             <a:r>
-              <a:rPr lang="en-US" smtClean="0"/>
+              <a:rPr lang="en-US"/>
               <a:t>Click icon to add picture</a:t>
             </a:r>
             <a:endParaRPr lang="en-US" dirty="0"/>
@@ -2411,7 +2403,7 @@
           <a:p>
             <a:pPr lvl="0"/>
             <a:r>
-              <a:rPr lang="en-US" smtClean="0"/>
+              <a:rPr lang="en-US"/>
               <a:t>Click to edit Master text styles</a:t>
             </a:r>
           </a:p>
@@ -2434,7 +2426,7 @@
           <a:p>
             <a:fld id="{64DF6793-3458-4587-8168-65F0C37A92D2}" type="datetime2">
               <a:rPr lang="en-US" smtClean="0"/>
-              <a:t>Monday, September 26, 2022</a:t>
+              <a:t>Tuesday, September 27, 2022</a:t>
             </a:fld>
             <a:endParaRPr lang="en-US"/>
           </a:p>
@@ -2456,10 +2448,9 @@
           <a:lstStyle/>
           <a:p>
             <a:r>
-              <a:rPr lang="en-US" smtClean="0"/>
+              <a:rPr lang="en-US"/>
               <a:t>Sample Footer Text</a:t>
             </a:r>
-            <a:endParaRPr lang="en-US"/>
           </a:p>
         </p:txBody>
       </p:sp>
@@ -2504,9 +2495,14 @@
 <p:sldMaster xmlns:a="http://schemas.openxmlformats.org/drawingml/2006/main" xmlns:r="http://schemas.openxmlformats.org/officeDocument/2006/relationships" xmlns:p="http://schemas.openxmlformats.org/presentationml/2006/main">
   <p:cSld>
     <p:bg>
-      <p:bgRef idx="1001">
-        <a:schemeClr val="bg1"/>
-      </p:bgRef>
+      <p:bgPr>
+        <a:blipFill dpi="0" rotWithShape="1">
+          <a:blip r:embed="rId13"/>
+          <a:srcRect/>
+          <a:tile tx="0" ty="0" sx="100000" sy="100000" flip="none" algn="tl"/>
+        </a:blipFill>
+        <a:effectLst/>
+      </p:bgPr>
     </p:bg>
     <p:spTree>
       <p:nvGrpSpPr>
@@ -2548,7 +2544,7 @@
           <a:lstStyle/>
           <a:p>
             <a:r>
-              <a:rPr lang="en-US" smtClean="0"/>
+              <a:rPr lang="en-US"/>
               <a:t>Click to edit Master title style</a:t>
             </a:r>
             <a:endParaRPr lang="en-US" dirty="0"/>
@@ -2582,35 +2578,35 @@
           <a:p>
             <a:pPr lvl="0"/>
             <a:r>
-              <a:rPr lang="en-US" smtClean="0"/>
+              <a:rPr lang="en-US"/>
               <a:t>Click to edit Master text styles</a:t>
             </a:r>
           </a:p>
           <a:p>
             <a:pPr lvl="1"/>
             <a:r>
-              <a:rPr lang="en-US" smtClean="0"/>
+              <a:rPr lang="en-US"/>
               <a:t>Second level</a:t>
             </a:r>
           </a:p>
           <a:p>
             <a:pPr lvl="2"/>
             <a:r>
-              <a:rPr lang="en-US" smtClean="0"/>
+              <a:rPr lang="en-US"/>
               <a:t>Third level</a:t>
             </a:r>
           </a:p>
           <a:p>
             <a:pPr lvl="3"/>
             <a:r>
-              <a:rPr lang="en-US" smtClean="0"/>
+              <a:rPr lang="en-US"/>
               <a:t>Fourth level</a:t>
             </a:r>
           </a:p>
           <a:p>
             <a:pPr lvl="4"/>
             <a:r>
-              <a:rPr lang="en-US" smtClean="0"/>
+              <a:rPr lang="en-US"/>
               <a:t>Fifth level</a:t>
             </a:r>
             <a:endParaRPr lang="en-US" dirty="0"/>
@@ -2653,7 +2649,7 @@
             <a:fld id="{E8352ED3-3C46-4C9A-9738-67B2D875E7E2}" type="datetime2">
               <a:rPr lang="en-US" smtClean="0"/>
               <a:pPr/>
-              <a:t>Monday, September 26, 2022</a:t>
+              <a:t>Tuesday, September 27, 2022</a:t>
             </a:fld>
             <a:endParaRPr lang="en-US" dirty="0"/>
           </a:p>
@@ -2693,7 +2689,7 @@
           </a:lstStyle>
           <a:p>
             <a:r>
-              <a:rPr lang="en-US" smtClean="0"/>
+              <a:rPr lang="en-US"/>
               <a:t>Sample Footer Text</a:t>
             </a:r>
             <a:endParaRPr lang="en-US" dirty="0"/>
@@ -3050,15 +3046,6 @@
 <file path=ppt/slides/slide1.xml><?xml version="1.0" encoding="utf-8"?>
 <p:sld xmlns:a="http://schemas.openxmlformats.org/drawingml/2006/main" xmlns:r="http://schemas.openxmlformats.org/officeDocument/2006/relationships" xmlns:p="http://schemas.openxmlformats.org/presentationml/2006/main">
   <p:cSld>
-    <p:bg>
-      <p:bgPr>
-        <a:blipFill>
-          <a:blip r:embed="rId2"/>
-          <a:tile tx="0" ty="0" sx="100000" sy="100000" flip="none" algn="tl"/>
-        </a:blipFill>
-        <a:effectLst/>
-      </p:bgPr>
-    </p:bg>
     <p:spTree>
       <p:nvGrpSpPr>
         <p:cNvPr id="1" name=""/>
@@ -3078,7 +3065,7 @@
           <p:cNvPr id="2" name="TextBox 1">
             <a:extLst>
               <a:ext uri="{FF2B5EF4-FFF2-40B4-BE49-F238E27FC236}">
-                <a16:creationId xmlns="" xmlns:a16="http://schemas.microsoft.com/office/drawing/2014/main" id="{2ABF00BA-5F41-4A42-B71B-C6D89D5DCDF0}"/>
+                <a16:creationId xmlns:a16="http://schemas.microsoft.com/office/drawing/2014/main" id="{2ABF00BA-5F41-4A42-B71B-C6D89D5DCDF0}"/>
               </a:ext>
             </a:extLst>
           </p:cNvPr>
@@ -3115,7 +3102,7 @@
           <p:cNvPr id="3" name="TextBox 2">
             <a:extLst>
               <a:ext uri="{FF2B5EF4-FFF2-40B4-BE49-F238E27FC236}">
-                <a16:creationId xmlns="" xmlns:a16="http://schemas.microsoft.com/office/drawing/2014/main" id="{6254C5E7-6092-42B8-842E-5A077092670B}"/>
+                <a16:creationId xmlns:a16="http://schemas.microsoft.com/office/drawing/2014/main" id="{6254C5E7-6092-42B8-842E-5A077092670B}"/>
               </a:ext>
             </a:extLst>
           </p:cNvPr>
@@ -3144,40 +3131,13 @@
               </a:lnSpc>
             </a:pPr>
             <a:r>
-              <a:rPr lang="en-US" sz="2000" b="1" dirty="0" smtClean="0">
-                <a:solidFill>
-                  <a:srgbClr val="C00000"/>
-                </a:solidFill>
-                <a:latin typeface="Montserrat SemiBold" panose="00000700000000000000" pitchFamily="2" charset="0"/>
-              </a:rPr>
-              <a:t>Submitted By :</a:t>
-            </a:r>
-            <a:r>
-              <a:rPr lang="en-US" sz="2000" b="1" dirty="0" err="1" smtClean="0">
-                <a:solidFill>
-                  <a:srgbClr val="C00000"/>
-                </a:solidFill>
-                <a:latin typeface="Montserrat SemiBold" panose="00000700000000000000" pitchFamily="2" charset="0"/>
-              </a:rPr>
-              <a:t>Tejas</a:t>
-            </a:r>
-            <a:r>
-              <a:rPr lang="en-US" sz="2000" b="1" dirty="0" smtClean="0">
-                <a:solidFill>
-                  <a:srgbClr val="C00000"/>
-                </a:solidFill>
-                <a:latin typeface="Montserrat SemiBold" panose="00000700000000000000" pitchFamily="2" charset="0"/>
-              </a:rPr>
-              <a:t> </a:t>
-            </a:r>
-            <a:r>
               <a:rPr lang="en-US" sz="2000" b="1" dirty="0">
                 <a:solidFill>
                   <a:srgbClr val="C00000"/>
                 </a:solidFill>
                 <a:latin typeface="Montserrat SemiBold" panose="00000700000000000000" pitchFamily="2" charset="0"/>
               </a:rPr>
-              <a:t>Sanjay Pranjale(223217)</a:t>
+              <a:t>Presented By :	Tejas Sanjay Pranjale(223217)</a:t>
             </a:r>
           </a:p>
           <a:p>
@@ -3188,25 +3148,7 @@
                 </a:solidFill>
                 <a:latin typeface="Montserrat SemiBold" panose="00000700000000000000" pitchFamily="2" charset="0"/>
               </a:rPr>
-              <a:t>	</a:t>
-            </a:r>
-            <a:r>
-              <a:rPr lang="en-US" sz="2000" b="1" dirty="0" smtClean="0">
-                <a:solidFill>
-                  <a:srgbClr val="C00000"/>
-                </a:solidFill>
-                <a:latin typeface="Montserrat SemiBold" panose="00000700000000000000" pitchFamily="2" charset="0"/>
-              </a:rPr>
-              <a:t>        Aniket </a:t>
-            </a:r>
-            <a:r>
-              <a:rPr lang="en-US" sz="2000" b="1" dirty="0">
-                <a:solidFill>
-                  <a:srgbClr val="C00000"/>
-                </a:solidFill>
-                <a:latin typeface="Montserrat SemiBold" panose="00000700000000000000" pitchFamily="2" charset="0"/>
-              </a:rPr>
-              <a:t>Vijay Rokade(223021)</a:t>
+              <a:t>	        		Aniket Vijay Rokade(223021)</a:t>
             </a:r>
           </a:p>
           <a:p>
@@ -3225,8 +3167,8 @@
         </p:nvSpPr>
         <p:spPr>
           <a:xfrm>
-            <a:off x="812440" y="1010893"/>
-            <a:ext cx="10938892" cy="523220"/>
+            <a:off x="1073730" y="1010893"/>
+            <a:ext cx="10047942" cy="830997"/>
           </a:xfrm>
           <a:prstGeom prst="rect">
             <a:avLst/>
@@ -3239,15 +3181,22 @@
           </a:bodyPr>
           <a:lstStyle/>
           <a:p>
-            <a:r>
-              <a:rPr lang="en-GB" sz="2800" dirty="0" smtClean="0"/>
-              <a:t>Institute of Advanced Computing and Software </a:t>
-            </a:r>
-            <a:r>
-              <a:rPr lang="en-GB" sz="2800" dirty="0" err="1" smtClean="0"/>
-              <a:t>Development,Akurdi,Pune</a:t>
-            </a:r>
-            <a:endParaRPr lang="en-GB" sz="2800" dirty="0"/>
+            <a:pPr algn="ctr"/>
+            <a:r>
+              <a:rPr lang="en-GB" sz="2400" dirty="0">
+                <a:latin typeface="Montserrat SemiBold" panose="00000700000000000000" pitchFamily="2" charset="0"/>
+              </a:rPr>
+              <a:t>Institute of Advanced Computing and Software Development,</a:t>
+            </a:r>
+          </a:p>
+          <a:p>
+            <a:pPr algn="ctr"/>
+            <a:r>
+              <a:rPr lang="en-GB" sz="2400" dirty="0">
+                <a:latin typeface="Montserrat SemiBold" panose="00000700000000000000" pitchFamily="2" charset="0"/>
+              </a:rPr>
+              <a:t> Akurdi, Pune</a:t>
+            </a:r>
           </a:p>
         </p:txBody>
       </p:sp>
@@ -3274,13 +3223,129 @@
           <a:lstStyle/>
           <a:p>
             <a:r>
-              <a:rPr lang="en-GB" sz="2400" dirty="0" smtClean="0"/>
+              <a:rPr lang="en-GB" sz="2400" dirty="0"/>
               <a:t>Project Title:</a:t>
             </a:r>
-            <a:endParaRPr lang="en-GB" sz="2400" dirty="0"/>
-          </a:p>
-        </p:txBody>
-      </p:sp>
+          </a:p>
+        </p:txBody>
+      </p:sp>
+      <p:pic>
+        <p:nvPicPr>
+          <p:cNvPr id="7" name="Picture 6">
+            <a:extLst>
+              <a:ext uri="{FF2B5EF4-FFF2-40B4-BE49-F238E27FC236}">
+                <a16:creationId xmlns:a16="http://schemas.microsoft.com/office/drawing/2014/main" id="{FA0948BD-912B-41E0-9809-96B3D5B299C9}"/>
+              </a:ext>
+            </a:extLst>
+          </p:cNvPr>
+          <p:cNvPicPr/>
+          <p:nvPr/>
+        </p:nvPicPr>
+        <p:blipFill>
+          <a:blip r:embed="rId2" cstate="print">
+            <a:extLst>
+              <a:ext uri="{28A0092B-C50C-407E-A947-70E740481C1C}">
+                <a14:useLocalDpi xmlns:a14="http://schemas.microsoft.com/office/drawing/2010/main" val="0"/>
+              </a:ext>
+            </a:extLst>
+          </a:blip>
+          <a:srcRect/>
+          <a:stretch>
+            <a:fillRect/>
+          </a:stretch>
+        </p:blipFill>
+        <p:spPr bwMode="auto">
+          <a:xfrm>
+            <a:off x="812440" y="147023"/>
+            <a:ext cx="819150" cy="819150"/>
+          </a:xfrm>
+          <a:prstGeom prst="roundRect">
+            <a:avLst>
+              <a:gd name="adj" fmla="val 4167"/>
+            </a:avLst>
+          </a:prstGeom>
+          <a:solidFill>
+            <a:srgbClr val="FFFFFF"/>
+          </a:solidFill>
+          <a:ln w="76200" cap="sq">
+            <a:solidFill>
+              <a:srgbClr val="EAEAEA"/>
+            </a:solidFill>
+            <a:miter lim="800000"/>
+          </a:ln>
+          <a:effectLst>
+            <a:reflection blurRad="12700" stA="33000" endPos="28000" dist="5000" dir="5400000" sy="-100000" algn="bl" rotWithShape="0"/>
+          </a:effectLst>
+          <a:scene3d>
+            <a:camera prst="orthographicFront"/>
+            <a:lightRig rig="threePt" dir="t">
+              <a:rot lat="0" lon="0" rev="2700000"/>
+            </a:lightRig>
+          </a:scene3d>
+          <a:sp3d contourW="6350">
+            <a:bevelT h="38100"/>
+            <a:contourClr>
+              <a:srgbClr val="C0C0C0"/>
+            </a:contourClr>
+          </a:sp3d>
+        </p:spPr>
+      </p:pic>
+      <p:pic>
+        <p:nvPicPr>
+          <p:cNvPr id="5" name="Picture 4">
+            <a:extLst>
+              <a:ext uri="{FF2B5EF4-FFF2-40B4-BE49-F238E27FC236}">
+                <a16:creationId xmlns:a16="http://schemas.microsoft.com/office/drawing/2014/main" id="{FF45C2FF-FF49-4DD9-84E9-3A0774C467AA}"/>
+              </a:ext>
+            </a:extLst>
+          </p:cNvPr>
+          <p:cNvPicPr>
+            <a:picLocks noChangeAspect="1"/>
+          </p:cNvPicPr>
+          <p:nvPr/>
+        </p:nvPicPr>
+        <p:blipFill>
+          <a:blip r:embed="rId3"/>
+          <a:stretch>
+            <a:fillRect/>
+          </a:stretch>
+        </p:blipFill>
+        <p:spPr>
+          <a:xfrm>
+            <a:off x="9980861" y="186902"/>
+            <a:ext cx="1554615" cy="597460"/>
+          </a:xfrm>
+          <a:prstGeom prst="roundRect">
+            <a:avLst>
+              <a:gd name="adj" fmla="val 4167"/>
+            </a:avLst>
+          </a:prstGeom>
+          <a:solidFill>
+            <a:srgbClr val="FFFFFF"/>
+          </a:solidFill>
+          <a:ln w="76200" cap="sq">
+            <a:solidFill>
+              <a:srgbClr val="EAEAEA"/>
+            </a:solidFill>
+            <a:miter lim="800000"/>
+          </a:ln>
+          <a:effectLst>
+            <a:reflection blurRad="12700" stA="33000" endPos="28000" dist="5000" dir="5400000" sy="-100000" algn="bl" rotWithShape="0"/>
+          </a:effectLst>
+          <a:scene3d>
+            <a:camera prst="orthographicFront"/>
+            <a:lightRig rig="threePt" dir="t">
+              <a:rot lat="0" lon="0" rev="2700000"/>
+            </a:lightRig>
+          </a:scene3d>
+          <a:sp3d contourW="6350">
+            <a:bevelT h="38100"/>
+            <a:contourClr>
+              <a:srgbClr val="C0C0C0"/>
+            </a:contourClr>
+          </a:sp3d>
+        </p:spPr>
+      </p:pic>
     </p:spTree>
     <p:extLst>
       <p:ext uri="{BB962C8B-B14F-4D97-AF65-F5344CB8AC3E}">
@@ -3297,15 +3362,6 @@
 <file path=ppt/slides/slide10.xml><?xml version="1.0" encoding="utf-8"?>
 <p:sld xmlns:a="http://schemas.openxmlformats.org/drawingml/2006/main" xmlns:r="http://schemas.openxmlformats.org/officeDocument/2006/relationships" xmlns:p="http://schemas.openxmlformats.org/presentationml/2006/main">
   <p:cSld>
-    <p:bg>
-      <p:bgPr>
-        <a:blipFill>
-          <a:blip r:embed="rId2"/>
-          <a:tile tx="0" ty="0" sx="100000" sy="100000" flip="none" algn="tl"/>
-        </a:blipFill>
-        <a:effectLst/>
-      </p:bgPr>
-    </p:bg>
     <p:spTree>
       <p:nvGrpSpPr>
         <p:cNvPr id="1" name=""/>
@@ -3325,7 +3381,7 @@
           <p:cNvPr id="2" name="Picture 1">
             <a:extLst>
               <a:ext uri="{FF2B5EF4-FFF2-40B4-BE49-F238E27FC236}">
-                <a16:creationId xmlns="" xmlns:a16="http://schemas.microsoft.com/office/drawing/2014/main" id="{762DAF1B-B677-486F-95BC-90BE491288A4}"/>
+                <a16:creationId xmlns:a16="http://schemas.microsoft.com/office/drawing/2014/main" id="{762DAF1B-B677-486F-95BC-90BE491288A4}"/>
               </a:ext>
             </a:extLst>
           </p:cNvPr>
@@ -3335,27 +3391,21 @@
           <p:nvPr/>
         </p:nvPicPr>
         <p:blipFill>
-          <a:blip r:embed="rId3"/>
+          <a:blip r:embed="rId2"/>
           <a:stretch>
             <a:fillRect/>
           </a:stretch>
         </p:blipFill>
         <p:spPr>
           <a:xfrm>
-            <a:off x="182879" y="280449"/>
+            <a:off x="182879" y="427175"/>
             <a:ext cx="11938863" cy="6567985"/>
           </a:xfrm>
           <a:prstGeom prst="rect">
             <a:avLst/>
           </a:prstGeom>
-          <a:solidFill>
-            <a:srgbClr val="FFE6F7"/>
-          </a:solidFill>
-          <a:effectLst>
-            <a:glow rad="127000">
-              <a:srgbClr val="FFE6F7"/>
-            </a:glow>
-          </a:effectLst>
+          <a:noFill/>
+          <a:effectLst/>
         </p:spPr>
       </p:pic>
       <p:sp>
@@ -3363,7 +3413,7 @@
           <p:cNvPr id="4" name="TextBox 3">
             <a:extLst>
               <a:ext uri="{FF2B5EF4-FFF2-40B4-BE49-F238E27FC236}">
-                <a16:creationId xmlns="" xmlns:a16="http://schemas.microsoft.com/office/drawing/2014/main" id="{AA3A2E45-9868-4BD9-B2D2-335AF5F6B1A1}"/>
+                <a16:creationId xmlns:a16="http://schemas.microsoft.com/office/drawing/2014/main" id="{AA3A2E45-9868-4BD9-B2D2-335AF5F6B1A1}"/>
               </a:ext>
             </a:extLst>
           </p:cNvPr>
@@ -3414,15 +3464,6 @@
 <file path=ppt/slides/slide11.xml><?xml version="1.0" encoding="utf-8"?>
 <p:sld xmlns:a="http://schemas.openxmlformats.org/drawingml/2006/main" xmlns:r="http://schemas.openxmlformats.org/officeDocument/2006/relationships" xmlns:p="http://schemas.openxmlformats.org/presentationml/2006/main">
   <p:cSld>
-    <p:bg>
-      <p:bgPr>
-        <a:blipFill>
-          <a:blip r:embed="rId2"/>
-          <a:tile tx="0" ty="0" sx="100000" sy="100000" flip="none" algn="tl"/>
-        </a:blipFill>
-        <a:effectLst/>
-      </p:bgPr>
-    </p:bg>
     <p:spTree>
       <p:nvGrpSpPr>
         <p:cNvPr id="1" name=""/>
@@ -3437,86 +3478,36 @@
           <a:chExt cx="0" cy="0"/>
         </a:xfrm>
       </p:grpSpPr>
-      <p:sp>
-        <p:nvSpPr>
-          <p:cNvPr id="2" name="TextBox 1">
-            <a:extLst>
-              <a:ext uri="{FF2B5EF4-FFF2-40B4-BE49-F238E27FC236}">
-                <a16:creationId xmlns="" xmlns:a16="http://schemas.microsoft.com/office/drawing/2014/main" id="{8B0D3C51-C007-411C-8D54-282091B5BADE}"/>
-              </a:ext>
-            </a:extLst>
-          </p:cNvPr>
-          <p:cNvSpPr txBox="1"/>
-          <p:nvPr/>
-        </p:nvSpPr>
-        <p:spPr>
-          <a:xfrm>
-            <a:off x="266220" y="120243"/>
-            <a:ext cx="2916818" cy="1323439"/>
-          </a:xfrm>
-          <a:prstGeom prst="rect">
-            <a:avLst/>
-          </a:prstGeom>
-          <a:noFill/>
-        </p:spPr>
-        <p:txBody>
-          <a:bodyPr wrap="square" rtlCol="0">
-            <a:spAutoFit/>
-          </a:bodyPr>
-          <a:lstStyle/>
-          <a:p>
-            <a:r>
-              <a:rPr lang="en-US" sz="4000" b="1" u="sng" dirty="0">
-                <a:solidFill>
-                  <a:srgbClr val="C00000"/>
-                </a:solidFill>
-                <a:latin typeface="Montserrat ExtraBold" panose="00000900000000000000" pitchFamily="2" charset="0"/>
-              </a:rPr>
-              <a:t>USE CASE</a:t>
-            </a:r>
-          </a:p>
-          <a:p>
-            <a:r>
-              <a:rPr lang="en-US" sz="4000" b="1" u="sng" dirty="0">
-                <a:solidFill>
-                  <a:srgbClr val="C00000"/>
-                </a:solidFill>
-                <a:latin typeface="Montserrat ExtraBold" panose="00000900000000000000" pitchFamily="2" charset="0"/>
-              </a:rPr>
-              <a:t>DIAGRAM</a:t>
-            </a:r>
-          </a:p>
-        </p:txBody>
-      </p:sp>
       <p:pic>
         <p:nvPicPr>
-          <p:cNvPr id="3" name="Picture 2">
+          <p:cNvPr id="4" name="Picture 3">
             <a:extLst>
               <a:ext uri="{FF2B5EF4-FFF2-40B4-BE49-F238E27FC236}">
-                <a16:creationId xmlns="" xmlns:a16="http://schemas.microsoft.com/office/drawing/2014/main" id="{1D14FF6A-140C-40BD-8C8C-825D91B73475}"/>
+                <a16:creationId xmlns:a16="http://schemas.microsoft.com/office/drawing/2014/main" id="{ABDF74B5-D428-40ED-9641-FFE2C5E5E69B}"/>
               </a:ext>
             </a:extLst>
           </p:cNvPr>
-          <p:cNvPicPr/>
+          <p:cNvPicPr>
+            <a:picLocks noChangeAspect="1"/>
+          </p:cNvPicPr>
           <p:nvPr/>
         </p:nvPicPr>
         <p:blipFill>
-          <a:blip r:embed="rId3">
+          <a:blip r:embed="rId2">
             <a:extLst>
               <a:ext uri="{28A0092B-C50C-407E-A947-70E740481C1C}">
                 <a14:useLocalDpi xmlns:a14="http://schemas.microsoft.com/office/drawing/2010/main" val="0"/>
               </a:ext>
             </a:extLst>
           </a:blip>
-          <a:srcRect/>
           <a:stretch>
             <a:fillRect/>
           </a:stretch>
         </p:blipFill>
-        <p:spPr bwMode="auto">
-          <a:xfrm>
-            <a:off x="2926080" y="120244"/>
-            <a:ext cx="8553157" cy="6617514"/>
+        <p:spPr>
+          <a:xfrm>
+            <a:off x="2768727" y="152400"/>
+            <a:ext cx="7258050" cy="6553200"/>
           </a:xfrm>
           <a:prstGeom prst="rect">
             <a:avLst/>
@@ -3536,7 +3527,7 @@
     </p:spTree>
     <p:extLst>
       <p:ext uri="{BB962C8B-B14F-4D97-AF65-F5344CB8AC3E}">
-        <p14:creationId xmlns:p14="http://schemas.microsoft.com/office/powerpoint/2010/main" val="2102012577"/>
+        <p14:creationId xmlns:p14="http://schemas.microsoft.com/office/powerpoint/2010/main" val="601750922"/>
       </p:ext>
     </p:extLst>
   </p:cSld>
@@ -3549,15 +3540,6 @@
 <file path=ppt/slides/slide12.xml><?xml version="1.0" encoding="utf-8"?>
 <p:sld xmlns:a="http://schemas.openxmlformats.org/drawingml/2006/main" xmlns:r="http://schemas.openxmlformats.org/officeDocument/2006/relationships" xmlns:p="http://schemas.openxmlformats.org/presentationml/2006/main">
   <p:cSld>
-    <p:bg>
-      <p:bgPr>
-        <a:blipFill>
-          <a:blip r:embed="rId2"/>
-          <a:tile tx="0" ty="0" sx="100000" sy="100000" flip="none" algn="tl"/>
-        </a:blipFill>
-        <a:effectLst/>
-      </p:bgPr>
-    </p:bg>
     <p:spTree>
       <p:nvGrpSpPr>
         <p:cNvPr id="1" name=""/>
@@ -3577,7 +3559,7 @@
           <p:cNvPr id="2" name="Picture 1">
             <a:extLst>
               <a:ext uri="{FF2B5EF4-FFF2-40B4-BE49-F238E27FC236}">
-                <a16:creationId xmlns="" xmlns:a16="http://schemas.microsoft.com/office/drawing/2014/main" id="{4E5C9A9F-2AC8-42BF-85DE-F25038CA6BFF}"/>
+                <a16:creationId xmlns:a16="http://schemas.microsoft.com/office/drawing/2014/main" id="{4E5C9A9F-2AC8-42BF-85DE-F25038CA6BFF}"/>
               </a:ext>
             </a:extLst>
           </p:cNvPr>
@@ -3585,7 +3567,7 @@
           <p:nvPr/>
         </p:nvPicPr>
         <p:blipFill>
-          <a:blip r:embed="rId3" cstate="print">
+          <a:blip r:embed="rId2">
             <a:extLst>
               <a:ext uri="{28A0092B-C50C-407E-A947-70E740481C1C}">
                 <a14:useLocalDpi xmlns:a14="http://schemas.microsoft.com/office/drawing/2010/main" val="0"/>
@@ -3593,14 +3575,12 @@
             </a:extLst>
           </a:blip>
           <a:srcRect/>
-          <a:stretch>
-            <a:fillRect/>
-          </a:stretch>
+          <a:stretch/>
         </p:blipFill>
         <p:spPr bwMode="auto">
           <a:xfrm>
-            <a:off x="0" y="532435"/>
-            <a:ext cx="12192000" cy="6325566"/>
+            <a:off x="0" y="532918"/>
+            <a:ext cx="12192000" cy="6324599"/>
           </a:xfrm>
           <a:prstGeom prst="rect">
             <a:avLst/>
@@ -3616,7 +3596,7 @@
           <p:cNvPr id="3" name="TextBox 2">
             <a:extLst>
               <a:ext uri="{FF2B5EF4-FFF2-40B4-BE49-F238E27FC236}">
-                <a16:creationId xmlns="" xmlns:a16="http://schemas.microsoft.com/office/drawing/2014/main" id="{4C909BC8-C954-49FE-A345-F07FC719D945}"/>
+                <a16:creationId xmlns:a16="http://schemas.microsoft.com/office/drawing/2014/main" id="{4C909BC8-C954-49FE-A345-F07FC719D945}"/>
               </a:ext>
             </a:extLst>
           </p:cNvPr>
@@ -3664,15 +3644,6 @@
 <file path=ppt/slides/slide13.xml><?xml version="1.0" encoding="utf-8"?>
 <p:sld xmlns:a="http://schemas.openxmlformats.org/drawingml/2006/main" xmlns:r="http://schemas.openxmlformats.org/officeDocument/2006/relationships" xmlns:p="http://schemas.openxmlformats.org/presentationml/2006/main">
   <p:cSld>
-    <p:bg>
-      <p:bgPr>
-        <a:blipFill>
-          <a:blip r:embed="rId2"/>
-          <a:tile tx="0" ty="0" sx="100000" sy="100000" flip="none" algn="tl"/>
-        </a:blipFill>
-        <a:effectLst/>
-      </p:bgPr>
-    </p:bg>
     <p:spTree>
       <p:nvGrpSpPr>
         <p:cNvPr id="1" name=""/>
@@ -3692,7 +3663,7 @@
           <p:cNvPr id="2" name="Picture 1">
             <a:extLst>
               <a:ext uri="{FF2B5EF4-FFF2-40B4-BE49-F238E27FC236}">
-                <a16:creationId xmlns="" xmlns:a16="http://schemas.microsoft.com/office/drawing/2014/main" id="{5D01B9AD-997E-438E-A7D9-75645C86EED8}"/>
+                <a16:creationId xmlns:a16="http://schemas.microsoft.com/office/drawing/2014/main" id="{5D01B9AD-997E-438E-A7D9-75645C86EED8}"/>
               </a:ext>
             </a:extLst>
           </p:cNvPr>
@@ -3700,7 +3671,7 @@
           <p:nvPr/>
         </p:nvPicPr>
         <p:blipFill>
-          <a:blip r:embed="rId3" cstate="print">
+          <a:blip r:embed="rId2" cstate="print">
             <a:extLst>
               <a:ext uri="{28A0092B-C50C-407E-A947-70E740481C1C}">
                 <a14:useLocalDpi xmlns:a14="http://schemas.microsoft.com/office/drawing/2010/main" val="0"/>
@@ -3731,7 +3702,7 @@
           <p:cNvPr id="3" name="TextBox 2">
             <a:extLst>
               <a:ext uri="{FF2B5EF4-FFF2-40B4-BE49-F238E27FC236}">
-                <a16:creationId xmlns="" xmlns:a16="http://schemas.microsoft.com/office/drawing/2014/main" id="{BE4C0745-C860-4CEB-82D5-5E2FC2CA7800}"/>
+                <a16:creationId xmlns:a16="http://schemas.microsoft.com/office/drawing/2014/main" id="{BE4C0745-C860-4CEB-82D5-5E2FC2CA7800}"/>
               </a:ext>
             </a:extLst>
           </p:cNvPr>
@@ -3782,15 +3753,6 @@
 <file path=ppt/slides/slide14.xml><?xml version="1.0" encoding="utf-8"?>
 <p:sld xmlns:a="http://schemas.openxmlformats.org/drawingml/2006/main" xmlns:r="http://schemas.openxmlformats.org/officeDocument/2006/relationships" xmlns:p="http://schemas.openxmlformats.org/presentationml/2006/main">
   <p:cSld>
-    <p:bg>
-      <p:bgPr>
-        <a:blipFill>
-          <a:blip r:embed="rId2"/>
-          <a:tile tx="0" ty="0" sx="100000" sy="100000" flip="none" algn="tl"/>
-        </a:blipFill>
-        <a:effectLst/>
-      </p:bgPr>
-    </p:bg>
     <p:spTree>
       <p:nvGrpSpPr>
         <p:cNvPr id="1" name=""/>
@@ -3810,7 +3772,7 @@
           <p:cNvPr id="2" name="Picture 1">
             <a:extLst>
               <a:ext uri="{FF2B5EF4-FFF2-40B4-BE49-F238E27FC236}">
-                <a16:creationId xmlns="" xmlns:a16="http://schemas.microsoft.com/office/drawing/2014/main" id="{3C09E14A-0604-4F6F-BAFC-536D4E6D0050}"/>
+                <a16:creationId xmlns:a16="http://schemas.microsoft.com/office/drawing/2014/main" id="{3C09E14A-0604-4F6F-BAFC-536D4E6D0050}"/>
               </a:ext>
             </a:extLst>
           </p:cNvPr>
@@ -3818,7 +3780,7 @@
           <p:nvPr/>
         </p:nvPicPr>
         <p:blipFill>
-          <a:blip r:embed="rId3" cstate="print">
+          <a:blip r:embed="rId2" cstate="print">
             <a:extLst>
               <a:ext uri="{28A0092B-C50C-407E-A947-70E740481C1C}">
                 <a14:useLocalDpi xmlns:a14="http://schemas.microsoft.com/office/drawing/2010/main" val="0"/>
@@ -3849,7 +3811,7 @@
           <p:cNvPr id="3" name="TextBox 2">
             <a:extLst>
               <a:ext uri="{FF2B5EF4-FFF2-40B4-BE49-F238E27FC236}">
-                <a16:creationId xmlns="" xmlns:a16="http://schemas.microsoft.com/office/drawing/2014/main" id="{C6B7F3AA-A55E-4D71-A249-195433325254}"/>
+                <a16:creationId xmlns:a16="http://schemas.microsoft.com/office/drawing/2014/main" id="{C6B7F3AA-A55E-4D71-A249-195433325254}"/>
               </a:ext>
             </a:extLst>
           </p:cNvPr>
@@ -3900,15 +3862,6 @@
 <file path=ppt/slides/slide15.xml><?xml version="1.0" encoding="utf-8"?>
 <p:sld xmlns:a="http://schemas.openxmlformats.org/drawingml/2006/main" xmlns:r="http://schemas.openxmlformats.org/officeDocument/2006/relationships" xmlns:p="http://schemas.openxmlformats.org/presentationml/2006/main">
   <p:cSld>
-    <p:bg>
-      <p:bgPr>
-        <a:blipFill>
-          <a:blip r:embed="rId2"/>
-          <a:tile tx="0" ty="0" sx="100000" sy="100000" flip="none" algn="tl"/>
-        </a:blipFill>
-        <a:effectLst/>
-      </p:bgPr>
-    </p:bg>
     <p:spTree>
       <p:nvGrpSpPr>
         <p:cNvPr id="1" name=""/>
@@ -3928,7 +3881,7 @@
           <p:cNvPr id="2" name="Picture 1">
             <a:extLst>
               <a:ext uri="{FF2B5EF4-FFF2-40B4-BE49-F238E27FC236}">
-                <a16:creationId xmlns="" xmlns:a16="http://schemas.microsoft.com/office/drawing/2014/main" id="{8F2AC592-6686-4F49-AFDF-127F6B2F5FF0}"/>
+                <a16:creationId xmlns:a16="http://schemas.microsoft.com/office/drawing/2014/main" id="{8F2AC592-6686-4F49-AFDF-127F6B2F5FF0}"/>
               </a:ext>
             </a:extLst>
           </p:cNvPr>
@@ -3936,7 +3889,7 @@
           <p:nvPr/>
         </p:nvPicPr>
         <p:blipFill>
-          <a:blip r:embed="rId3" cstate="print">
+          <a:blip r:embed="rId2" cstate="print">
             <a:extLst>
               <a:ext uri="{28A0092B-C50C-407E-A947-70E740481C1C}">
                 <a14:useLocalDpi xmlns:a14="http://schemas.microsoft.com/office/drawing/2010/main" val="0"/>
@@ -3967,7 +3920,7 @@
           <p:cNvPr id="3" name="TextBox 2">
             <a:extLst>
               <a:ext uri="{FF2B5EF4-FFF2-40B4-BE49-F238E27FC236}">
-                <a16:creationId xmlns="" xmlns:a16="http://schemas.microsoft.com/office/drawing/2014/main" id="{9FAB54F9-A236-4FD6-BBAF-BEF7D60DD35E}"/>
+                <a16:creationId xmlns:a16="http://schemas.microsoft.com/office/drawing/2014/main" id="{9FAB54F9-A236-4FD6-BBAF-BEF7D60DD35E}"/>
               </a:ext>
             </a:extLst>
           </p:cNvPr>
@@ -4018,15 +3971,6 @@
 <file path=ppt/slides/slide16.xml><?xml version="1.0" encoding="utf-8"?>
 <p:sld xmlns:a="http://schemas.openxmlformats.org/drawingml/2006/main" xmlns:r="http://schemas.openxmlformats.org/officeDocument/2006/relationships" xmlns:p="http://schemas.openxmlformats.org/presentationml/2006/main">
   <p:cSld>
-    <p:bg>
-      <p:bgPr>
-        <a:blipFill>
-          <a:blip r:embed="rId2"/>
-          <a:tile tx="0" ty="0" sx="100000" sy="100000" flip="none" algn="tl"/>
-        </a:blipFill>
-        <a:effectLst/>
-      </p:bgPr>
-    </p:bg>
     <p:spTree>
       <p:nvGrpSpPr>
         <p:cNvPr id="1" name=""/>
@@ -4046,7 +3990,7 @@
           <p:cNvPr id="2" name="Picture 1">
             <a:extLst>
               <a:ext uri="{FF2B5EF4-FFF2-40B4-BE49-F238E27FC236}">
-                <a16:creationId xmlns="" xmlns:a16="http://schemas.microsoft.com/office/drawing/2014/main" id="{C6D42045-7B89-4CEF-9F82-9C83DFAF8ED6}"/>
+                <a16:creationId xmlns:a16="http://schemas.microsoft.com/office/drawing/2014/main" id="{C6D42045-7B89-4CEF-9F82-9C83DFAF8ED6}"/>
               </a:ext>
             </a:extLst>
           </p:cNvPr>
@@ -4054,7 +3998,7 @@
           <p:nvPr/>
         </p:nvPicPr>
         <p:blipFill>
-          <a:blip r:embed="rId3" cstate="print">
+          <a:blip r:embed="rId2" cstate="print">
             <a:extLst>
               <a:ext uri="{28A0092B-C50C-407E-A947-70E740481C1C}">
                 <a14:useLocalDpi xmlns:a14="http://schemas.microsoft.com/office/drawing/2010/main" val="0"/>
@@ -4085,7 +4029,7 @@
           <p:cNvPr id="3" name="TextBox 2">
             <a:extLst>
               <a:ext uri="{FF2B5EF4-FFF2-40B4-BE49-F238E27FC236}">
-                <a16:creationId xmlns="" xmlns:a16="http://schemas.microsoft.com/office/drawing/2014/main" id="{28180326-F817-4C3A-AE77-C2381310AA99}"/>
+                <a16:creationId xmlns:a16="http://schemas.microsoft.com/office/drawing/2014/main" id="{28180326-F817-4C3A-AE77-C2381310AA99}"/>
               </a:ext>
             </a:extLst>
           </p:cNvPr>
@@ -4136,15 +4080,6 @@
 <file path=ppt/slides/slide17.xml><?xml version="1.0" encoding="utf-8"?>
 <p:sld xmlns:a="http://schemas.openxmlformats.org/drawingml/2006/main" xmlns:r="http://schemas.openxmlformats.org/officeDocument/2006/relationships" xmlns:p="http://schemas.openxmlformats.org/presentationml/2006/main">
   <p:cSld>
-    <p:bg>
-      <p:bgPr>
-        <a:blipFill>
-          <a:blip r:embed="rId2"/>
-          <a:tile tx="0" ty="0" sx="100000" sy="100000" flip="none" algn="tl"/>
-        </a:blipFill>
-        <a:effectLst/>
-      </p:bgPr>
-    </p:bg>
     <p:spTree>
       <p:nvGrpSpPr>
         <p:cNvPr id="1" name=""/>
@@ -4164,7 +4099,7 @@
           <p:cNvPr id="2" name="Picture 1">
             <a:extLst>
               <a:ext uri="{FF2B5EF4-FFF2-40B4-BE49-F238E27FC236}">
-                <a16:creationId xmlns="" xmlns:a16="http://schemas.microsoft.com/office/drawing/2014/main" id="{246424A7-51A3-49DB-B3B5-E1CFB7CC1C4C}"/>
+                <a16:creationId xmlns:a16="http://schemas.microsoft.com/office/drawing/2014/main" id="{246424A7-51A3-49DB-B3B5-E1CFB7CC1C4C}"/>
               </a:ext>
             </a:extLst>
           </p:cNvPr>
@@ -4172,7 +4107,7 @@
           <p:nvPr/>
         </p:nvPicPr>
         <p:blipFill>
-          <a:blip r:embed="rId3" cstate="print">
+          <a:blip r:embed="rId2" cstate="print">
             <a:extLst>
               <a:ext uri="{28A0092B-C50C-407E-A947-70E740481C1C}">
                 <a14:useLocalDpi xmlns:a14="http://schemas.microsoft.com/office/drawing/2010/main" val="0"/>
@@ -4203,7 +4138,7 @@
           <p:cNvPr id="3" name="TextBox 2">
             <a:extLst>
               <a:ext uri="{FF2B5EF4-FFF2-40B4-BE49-F238E27FC236}">
-                <a16:creationId xmlns="" xmlns:a16="http://schemas.microsoft.com/office/drawing/2014/main" id="{9CCEEA47-A91C-4A3C-8754-4D5C2D1BDC4E}"/>
+                <a16:creationId xmlns:a16="http://schemas.microsoft.com/office/drawing/2014/main" id="{9CCEEA47-A91C-4A3C-8754-4D5C2D1BDC4E}"/>
               </a:ext>
             </a:extLst>
           </p:cNvPr>
@@ -4254,15 +4189,6 @@
 <file path=ppt/slides/slide18.xml><?xml version="1.0" encoding="utf-8"?>
 <p:sld xmlns:a="http://schemas.openxmlformats.org/drawingml/2006/main" xmlns:r="http://schemas.openxmlformats.org/officeDocument/2006/relationships" xmlns:p="http://schemas.openxmlformats.org/presentationml/2006/main">
   <p:cSld>
-    <p:bg>
-      <p:bgPr>
-        <a:blipFill>
-          <a:blip r:embed="rId2"/>
-          <a:tile tx="0" ty="0" sx="100000" sy="100000" flip="none" algn="tl"/>
-        </a:blipFill>
-        <a:effectLst/>
-      </p:bgPr>
-    </p:bg>
     <p:spTree>
       <p:nvGrpSpPr>
         <p:cNvPr id="1" name=""/>
@@ -4282,7 +4208,7 @@
           <p:cNvPr id="2" name="Picture 1">
             <a:extLst>
               <a:ext uri="{FF2B5EF4-FFF2-40B4-BE49-F238E27FC236}">
-                <a16:creationId xmlns="" xmlns:a16="http://schemas.microsoft.com/office/drawing/2014/main" id="{9A002592-7028-4615-8CEE-6173D8D1F871}"/>
+                <a16:creationId xmlns:a16="http://schemas.microsoft.com/office/drawing/2014/main" id="{9A002592-7028-4615-8CEE-6173D8D1F871}"/>
               </a:ext>
             </a:extLst>
           </p:cNvPr>
@@ -4290,7 +4216,7 @@
           <p:nvPr/>
         </p:nvPicPr>
         <p:blipFill>
-          <a:blip r:embed="rId3" cstate="print">
+          <a:blip r:embed="rId2" cstate="print">
             <a:extLst>
               <a:ext uri="{28A0092B-C50C-407E-A947-70E740481C1C}">
                 <a14:useLocalDpi xmlns:a14="http://schemas.microsoft.com/office/drawing/2010/main" val="0"/>
@@ -4321,7 +4247,7 @@
           <p:cNvPr id="3" name="TextBox 2">
             <a:extLst>
               <a:ext uri="{FF2B5EF4-FFF2-40B4-BE49-F238E27FC236}">
-                <a16:creationId xmlns="" xmlns:a16="http://schemas.microsoft.com/office/drawing/2014/main" id="{12D281AF-1A83-421D-A25E-9B62E59A2D42}"/>
+                <a16:creationId xmlns:a16="http://schemas.microsoft.com/office/drawing/2014/main" id="{12D281AF-1A83-421D-A25E-9B62E59A2D42}"/>
               </a:ext>
             </a:extLst>
           </p:cNvPr>
@@ -4372,15 +4298,6 @@
 <file path=ppt/slides/slide19.xml><?xml version="1.0" encoding="utf-8"?>
 <p:sld xmlns:a="http://schemas.openxmlformats.org/drawingml/2006/main" xmlns:r="http://schemas.openxmlformats.org/officeDocument/2006/relationships" xmlns:p="http://schemas.openxmlformats.org/presentationml/2006/main">
   <p:cSld>
-    <p:bg>
-      <p:bgPr>
-        <a:blipFill>
-          <a:blip r:embed="rId2"/>
-          <a:tile tx="0" ty="0" sx="100000" sy="100000" flip="none" algn="tl"/>
-        </a:blipFill>
-        <a:effectLst/>
-      </p:bgPr>
-    </p:bg>
     <p:spTree>
       <p:nvGrpSpPr>
         <p:cNvPr id="1" name=""/>
@@ -4400,7 +4317,7 @@
           <p:cNvPr id="2" name="Picture 1">
             <a:extLst>
               <a:ext uri="{FF2B5EF4-FFF2-40B4-BE49-F238E27FC236}">
-                <a16:creationId xmlns="" xmlns:a16="http://schemas.microsoft.com/office/drawing/2014/main" id="{D9C019D8-1E02-42B6-9B7A-0E2FE0996FAB}"/>
+                <a16:creationId xmlns:a16="http://schemas.microsoft.com/office/drawing/2014/main" id="{D9C019D8-1E02-42B6-9B7A-0E2FE0996FAB}"/>
               </a:ext>
             </a:extLst>
           </p:cNvPr>
@@ -4408,7 +4325,7 @@
           <p:nvPr/>
         </p:nvPicPr>
         <p:blipFill>
-          <a:blip r:embed="rId3" cstate="print">
+          <a:blip r:embed="rId2" cstate="print">
             <a:extLst>
               <a:ext uri="{28A0092B-C50C-407E-A947-70E740481C1C}">
                 <a14:useLocalDpi xmlns:a14="http://schemas.microsoft.com/office/drawing/2010/main" val="0"/>
@@ -4439,7 +4356,7 @@
           <p:cNvPr id="3" name="TextBox 2">
             <a:extLst>
               <a:ext uri="{FF2B5EF4-FFF2-40B4-BE49-F238E27FC236}">
-                <a16:creationId xmlns="" xmlns:a16="http://schemas.microsoft.com/office/drawing/2014/main" id="{128CF1D6-E5E3-4BB4-BB16-2417C12D4FB3}"/>
+                <a16:creationId xmlns:a16="http://schemas.microsoft.com/office/drawing/2014/main" id="{128CF1D6-E5E3-4BB4-BB16-2417C12D4FB3}"/>
               </a:ext>
             </a:extLst>
           </p:cNvPr>
@@ -4490,15 +4407,6 @@
 <file path=ppt/slides/slide2.xml><?xml version="1.0" encoding="utf-8"?>
 <p:sld xmlns:a="http://schemas.openxmlformats.org/drawingml/2006/main" xmlns:r="http://schemas.openxmlformats.org/officeDocument/2006/relationships" xmlns:p="http://schemas.openxmlformats.org/presentationml/2006/main">
   <p:cSld>
-    <p:bg>
-      <p:bgPr>
-        <a:blipFill>
-          <a:blip r:embed="rId2"/>
-          <a:tile tx="0" ty="0" sx="100000" sy="100000" flip="none" algn="tl"/>
-        </a:blipFill>
-        <a:effectLst/>
-      </p:bgPr>
-    </p:bg>
     <p:spTree>
       <p:nvGrpSpPr>
         <p:cNvPr id="1" name=""/>
@@ -4518,7 +4426,7 @@
           <p:cNvPr id="2" name="TextBox 1">
             <a:extLst>
               <a:ext uri="{FF2B5EF4-FFF2-40B4-BE49-F238E27FC236}">
-                <a16:creationId xmlns="" xmlns:a16="http://schemas.microsoft.com/office/drawing/2014/main" id="{93930897-163F-4FE5-8772-359372CAF3D5}"/>
+                <a16:creationId xmlns:a16="http://schemas.microsoft.com/office/drawing/2014/main" id="{93930897-163F-4FE5-8772-359372CAF3D5}"/>
               </a:ext>
             </a:extLst>
           </p:cNvPr>
@@ -4567,7 +4475,7 @@
           <p:cNvPr id="3" name="TextBox 2">
             <a:extLst>
               <a:ext uri="{FF2B5EF4-FFF2-40B4-BE49-F238E27FC236}">
-                <a16:creationId xmlns="" xmlns:a16="http://schemas.microsoft.com/office/drawing/2014/main" id="{33F25C3E-AF98-443A-AFF3-05D2C4D3F797}"/>
+                <a16:creationId xmlns:a16="http://schemas.microsoft.com/office/drawing/2014/main" id="{33F25C3E-AF98-443A-AFF3-05D2C4D3F797}"/>
               </a:ext>
             </a:extLst>
           </p:cNvPr>
@@ -4594,7 +4502,20 @@
               <a:rPr lang="en-US" dirty="0">
                 <a:latin typeface="Montserrat SemiBold" panose="00000700000000000000" pitchFamily="2" charset="0"/>
               </a:rPr>
-              <a:t>School Management System is an application based on java technology which can be used for managing your school day to day activities. It allows users to store their school’s information including student information, employees, properties and study materials etc. most importantly, this information can be shared with authorized users, records can be searched and reports can be easily generated. School management system is configurable and can be configured to meet certain individual school’s needs. It could make the school staffs life easier than ever. Using this system, finding student’s information’s is just less than a minute which might have cost several minutes even more than a day.</a:t>
+              <a:t>School Management System is an application based on java technology which can be used for managing your school’s day to day activities. It allows users to store their school’s information including Students and Teacher’s information. Most importantly, this information can be shared with authorized users, records can be searched and can be manipulated. </a:t>
+            </a:r>
+          </a:p>
+          <a:p>
+            <a:endParaRPr lang="en-US" dirty="0">
+              <a:latin typeface="Montserrat SemiBold" panose="00000700000000000000" pitchFamily="2" charset="0"/>
+            </a:endParaRPr>
+          </a:p>
+          <a:p>
+            <a:r>
+              <a:rPr lang="en-US" dirty="0">
+                <a:latin typeface="Montserrat SemiBold" panose="00000700000000000000" pitchFamily="2" charset="0"/>
+              </a:rPr>
+              <a:t>School management system is configurable and can be configured to meet certain individual school’s needs. It could make the school staffs work easier than ever. Using this system, finding student’s information’s become a very quick operation which might have cost several hours or even more than a day.</a:t>
             </a:r>
           </a:p>
         </p:txBody>
@@ -4615,15 +4536,6 @@
 <file path=ppt/slides/slide20.xml><?xml version="1.0" encoding="utf-8"?>
 <p:sld xmlns:a="http://schemas.openxmlformats.org/drawingml/2006/main" xmlns:r="http://schemas.openxmlformats.org/officeDocument/2006/relationships" xmlns:p="http://schemas.openxmlformats.org/presentationml/2006/main">
   <p:cSld>
-    <p:bg>
-      <p:bgPr>
-        <a:blipFill>
-          <a:blip r:embed="rId2"/>
-          <a:tile tx="0" ty="0" sx="100000" sy="100000" flip="none" algn="tl"/>
-        </a:blipFill>
-        <a:effectLst/>
-      </p:bgPr>
-    </p:bg>
     <p:spTree>
       <p:nvGrpSpPr>
         <p:cNvPr id="1" name=""/>
@@ -4643,7 +4555,7 @@
           <p:cNvPr id="2" name="Picture 1">
             <a:extLst>
               <a:ext uri="{FF2B5EF4-FFF2-40B4-BE49-F238E27FC236}">
-                <a16:creationId xmlns="" xmlns:a16="http://schemas.microsoft.com/office/drawing/2014/main" id="{FC0AFE98-41BC-48C1-BC11-9F86A46B7EDE}"/>
+                <a16:creationId xmlns:a16="http://schemas.microsoft.com/office/drawing/2014/main" id="{FC0AFE98-41BC-48C1-BC11-9F86A46B7EDE}"/>
               </a:ext>
             </a:extLst>
           </p:cNvPr>
@@ -4651,7 +4563,7 @@
           <p:nvPr/>
         </p:nvPicPr>
         <p:blipFill>
-          <a:blip r:embed="rId3" cstate="print">
+          <a:blip r:embed="rId2" cstate="print">
             <a:extLst>
               <a:ext uri="{28A0092B-C50C-407E-A947-70E740481C1C}">
                 <a14:useLocalDpi xmlns:a14="http://schemas.microsoft.com/office/drawing/2010/main" val="0"/>
@@ -4682,7 +4594,7 @@
           <p:cNvPr id="3" name="TextBox 2">
             <a:extLst>
               <a:ext uri="{FF2B5EF4-FFF2-40B4-BE49-F238E27FC236}">
-                <a16:creationId xmlns="" xmlns:a16="http://schemas.microsoft.com/office/drawing/2014/main" id="{AAFBDE5F-4C4F-41D5-B92C-A9F56D94CB6F}"/>
+                <a16:creationId xmlns:a16="http://schemas.microsoft.com/office/drawing/2014/main" id="{AAFBDE5F-4C4F-41D5-B92C-A9F56D94CB6F}"/>
               </a:ext>
             </a:extLst>
           </p:cNvPr>
@@ -4733,15 +4645,6 @@
 <file path=ppt/slides/slide21.xml><?xml version="1.0" encoding="utf-8"?>
 <p:sld xmlns:a="http://schemas.openxmlformats.org/drawingml/2006/main" xmlns:r="http://schemas.openxmlformats.org/officeDocument/2006/relationships" xmlns:p="http://schemas.openxmlformats.org/presentationml/2006/main">
   <p:cSld>
-    <p:bg>
-      <p:bgPr>
-        <a:blipFill>
-          <a:blip r:embed="rId2"/>
-          <a:tile tx="0" ty="0" sx="100000" sy="100000" flip="none" algn="tl"/>
-        </a:blipFill>
-        <a:effectLst/>
-      </p:bgPr>
-    </p:bg>
     <p:spTree>
       <p:nvGrpSpPr>
         <p:cNvPr id="1" name=""/>
@@ -4761,7 +4664,7 @@
           <p:cNvPr id="2" name="Picture 1">
             <a:extLst>
               <a:ext uri="{FF2B5EF4-FFF2-40B4-BE49-F238E27FC236}">
-                <a16:creationId xmlns="" xmlns:a16="http://schemas.microsoft.com/office/drawing/2014/main" id="{E391C9F1-70B0-4F46-B439-72F18B320705}"/>
+                <a16:creationId xmlns:a16="http://schemas.microsoft.com/office/drawing/2014/main" id="{E391C9F1-70B0-4F46-B439-72F18B320705}"/>
               </a:ext>
             </a:extLst>
           </p:cNvPr>
@@ -4769,7 +4672,7 @@
           <p:nvPr/>
         </p:nvPicPr>
         <p:blipFill rotWithShape="1">
-          <a:blip r:embed="rId3" cstate="print">
+          <a:blip r:embed="rId2" cstate="print">
             <a:extLst>
               <a:ext uri="{28A0092B-C50C-407E-A947-70E740481C1C}">
                 <a14:useLocalDpi xmlns:a14="http://schemas.microsoft.com/office/drawing/2010/main" val="0"/>
@@ -4803,7 +4706,7 @@
           <p:cNvPr id="3" name="TextBox 2">
             <a:extLst>
               <a:ext uri="{FF2B5EF4-FFF2-40B4-BE49-F238E27FC236}">
-                <a16:creationId xmlns="" xmlns:a16="http://schemas.microsoft.com/office/drawing/2014/main" id="{CA2E6B55-7C6B-4D22-8286-8EAA0136A997}"/>
+                <a16:creationId xmlns:a16="http://schemas.microsoft.com/office/drawing/2014/main" id="{CA2E6B55-7C6B-4D22-8286-8EAA0136A997}"/>
               </a:ext>
             </a:extLst>
           </p:cNvPr>
@@ -4854,15 +4757,6 @@
 <file path=ppt/slides/slide22.xml><?xml version="1.0" encoding="utf-8"?>
 <p:sld xmlns:a="http://schemas.openxmlformats.org/drawingml/2006/main" xmlns:r="http://schemas.openxmlformats.org/officeDocument/2006/relationships" xmlns:p="http://schemas.openxmlformats.org/presentationml/2006/main">
   <p:cSld>
-    <p:bg>
-      <p:bgPr>
-        <a:blipFill>
-          <a:blip r:embed="rId2"/>
-          <a:tile tx="0" ty="0" sx="100000" sy="100000" flip="none" algn="tl"/>
-        </a:blipFill>
-        <a:effectLst/>
-      </p:bgPr>
-    </p:bg>
     <p:spTree>
       <p:nvGrpSpPr>
         <p:cNvPr id="1" name=""/>
@@ -4882,7 +4776,7 @@
           <p:cNvPr id="2" name="Picture 1">
             <a:extLst>
               <a:ext uri="{FF2B5EF4-FFF2-40B4-BE49-F238E27FC236}">
-                <a16:creationId xmlns="" xmlns:a16="http://schemas.microsoft.com/office/drawing/2014/main" id="{6D6F5C12-9E0D-441B-A0DA-CE00ADCCCB2B}"/>
+                <a16:creationId xmlns:a16="http://schemas.microsoft.com/office/drawing/2014/main" id="{6D6F5C12-9E0D-441B-A0DA-CE00ADCCCB2B}"/>
               </a:ext>
             </a:extLst>
           </p:cNvPr>
@@ -4890,7 +4784,7 @@
           <p:nvPr/>
         </p:nvPicPr>
         <p:blipFill>
-          <a:blip r:embed="rId3"/>
+          <a:blip r:embed="rId2"/>
           <a:stretch>
             <a:fillRect/>
           </a:stretch>
@@ -4910,7 +4804,7 @@
           <p:cNvPr id="3" name="TextBox 2">
             <a:extLst>
               <a:ext uri="{FF2B5EF4-FFF2-40B4-BE49-F238E27FC236}">
-                <a16:creationId xmlns="" xmlns:a16="http://schemas.microsoft.com/office/drawing/2014/main" id="{B7D777D3-77B8-4D6D-9E77-47DC399130E3}"/>
+                <a16:creationId xmlns:a16="http://schemas.microsoft.com/office/drawing/2014/main" id="{B7D777D3-77B8-4D6D-9E77-47DC399130E3}"/>
               </a:ext>
             </a:extLst>
           </p:cNvPr>
@@ -4961,15 +4855,6 @@
 <file path=ppt/slides/slide23.xml><?xml version="1.0" encoding="utf-8"?>
 <p:sld xmlns:a="http://schemas.openxmlformats.org/drawingml/2006/main" xmlns:r="http://schemas.openxmlformats.org/officeDocument/2006/relationships" xmlns:p="http://schemas.openxmlformats.org/presentationml/2006/main">
   <p:cSld>
-    <p:bg>
-      <p:bgPr>
-        <a:blipFill>
-          <a:blip r:embed="rId2"/>
-          <a:tile tx="0" ty="0" sx="100000" sy="100000" flip="none" algn="tl"/>
-        </a:blipFill>
-        <a:effectLst/>
-      </p:bgPr>
-    </p:bg>
     <p:spTree>
       <p:nvGrpSpPr>
         <p:cNvPr id="1" name=""/>
@@ -4989,7 +4874,7 @@
           <p:cNvPr id="2" name="Picture 1">
             <a:extLst>
               <a:ext uri="{FF2B5EF4-FFF2-40B4-BE49-F238E27FC236}">
-                <a16:creationId xmlns="" xmlns:a16="http://schemas.microsoft.com/office/drawing/2014/main" id="{E940DEA3-C328-4380-9CDE-77C265B374FD}"/>
+                <a16:creationId xmlns:a16="http://schemas.microsoft.com/office/drawing/2014/main" id="{E940DEA3-C328-4380-9CDE-77C265B374FD}"/>
               </a:ext>
             </a:extLst>
           </p:cNvPr>
@@ -4997,7 +4882,7 @@
           <p:nvPr/>
         </p:nvPicPr>
         <p:blipFill>
-          <a:blip r:embed="rId3" cstate="print">
+          <a:blip r:embed="rId2" cstate="print">
             <a:extLst>
               <a:ext uri="{28A0092B-C50C-407E-A947-70E740481C1C}">
                 <a14:useLocalDpi xmlns:a14="http://schemas.microsoft.com/office/drawing/2010/main" val="0"/>
@@ -5028,7 +4913,7 @@
           <p:cNvPr id="3" name="TextBox 2">
             <a:extLst>
               <a:ext uri="{FF2B5EF4-FFF2-40B4-BE49-F238E27FC236}">
-                <a16:creationId xmlns="" xmlns:a16="http://schemas.microsoft.com/office/drawing/2014/main" id="{C8666513-B1BB-439C-AC04-8EC342F2353E}"/>
+                <a16:creationId xmlns:a16="http://schemas.microsoft.com/office/drawing/2014/main" id="{C8666513-B1BB-439C-AC04-8EC342F2353E}"/>
               </a:ext>
             </a:extLst>
           </p:cNvPr>
@@ -5079,15 +4964,6 @@
 <file path=ppt/slides/slide24.xml><?xml version="1.0" encoding="utf-8"?>
 <p:sld xmlns:a="http://schemas.openxmlformats.org/drawingml/2006/main" xmlns:r="http://schemas.openxmlformats.org/officeDocument/2006/relationships" xmlns:p="http://schemas.openxmlformats.org/presentationml/2006/main">
   <p:cSld>
-    <p:bg>
-      <p:bgPr>
-        <a:blipFill>
-          <a:blip r:embed="rId2"/>
-          <a:tile tx="0" ty="0" sx="100000" sy="100000" flip="none" algn="tl"/>
-        </a:blipFill>
-        <a:effectLst/>
-      </p:bgPr>
-    </p:bg>
     <p:spTree>
       <p:nvGrpSpPr>
         <p:cNvPr id="1" name=""/>
@@ -5107,7 +4983,7 @@
           <p:cNvPr id="2" name="Picture 1">
             <a:extLst>
               <a:ext uri="{FF2B5EF4-FFF2-40B4-BE49-F238E27FC236}">
-                <a16:creationId xmlns="" xmlns:a16="http://schemas.microsoft.com/office/drawing/2014/main" id="{457D59FA-B99E-42D8-B4A7-D2A20673631E}"/>
+                <a16:creationId xmlns:a16="http://schemas.microsoft.com/office/drawing/2014/main" id="{457D59FA-B99E-42D8-B4A7-D2A20673631E}"/>
               </a:ext>
             </a:extLst>
           </p:cNvPr>
@@ -5115,7 +4991,7 @@
           <p:nvPr/>
         </p:nvPicPr>
         <p:blipFill>
-          <a:blip r:embed="rId3" cstate="print">
+          <a:blip r:embed="rId2" cstate="print">
             <a:extLst>
               <a:ext uri="{28A0092B-C50C-407E-A947-70E740481C1C}">
                 <a14:useLocalDpi xmlns:a14="http://schemas.microsoft.com/office/drawing/2010/main" val="0"/>
@@ -5146,7 +5022,7 @@
           <p:cNvPr id="3" name="TextBox 2">
             <a:extLst>
               <a:ext uri="{FF2B5EF4-FFF2-40B4-BE49-F238E27FC236}">
-                <a16:creationId xmlns="" xmlns:a16="http://schemas.microsoft.com/office/drawing/2014/main" id="{8A85E8A5-0C77-4685-80DA-51E35B19AF91}"/>
+                <a16:creationId xmlns:a16="http://schemas.microsoft.com/office/drawing/2014/main" id="{8A85E8A5-0C77-4685-80DA-51E35B19AF91}"/>
               </a:ext>
             </a:extLst>
           </p:cNvPr>
@@ -5197,15 +5073,6 @@
 <file path=ppt/slides/slide25.xml><?xml version="1.0" encoding="utf-8"?>
 <p:sld xmlns:a="http://schemas.openxmlformats.org/drawingml/2006/main" xmlns:r="http://schemas.openxmlformats.org/officeDocument/2006/relationships" xmlns:p="http://schemas.openxmlformats.org/presentationml/2006/main">
   <p:cSld>
-    <p:bg>
-      <p:bgPr shadeToTitle="1">
-        <a:blipFill>
-          <a:blip r:embed="rId2"/>
-          <a:tile tx="0" ty="0" sx="100000" sy="100000" flip="none" algn="tl"/>
-        </a:blipFill>
-        <a:effectLst/>
-      </p:bgPr>
-    </p:bg>
     <p:spTree>
       <p:nvGrpSpPr>
         <p:cNvPr id="1" name=""/>
@@ -5225,7 +5092,7 @@
           <p:cNvPr id="3" name="TextBox 2">
             <a:extLst>
               <a:ext uri="{FF2B5EF4-FFF2-40B4-BE49-F238E27FC236}">
-                <a16:creationId xmlns="" xmlns:a16="http://schemas.microsoft.com/office/drawing/2014/main" id="{4463F8EF-A93C-4970-BE7F-476E110192BD}"/>
+                <a16:creationId xmlns:a16="http://schemas.microsoft.com/office/drawing/2014/main" id="{4463F8EF-A93C-4970-BE7F-476E110192BD}"/>
               </a:ext>
             </a:extLst>
           </p:cNvPr>
@@ -5234,8 +5101,8 @@
         </p:nvSpPr>
         <p:spPr>
           <a:xfrm>
-            <a:off x="4037152" y="0"/>
-            <a:ext cx="6704153" cy="707886"/>
+            <a:off x="3434421" y="29497"/>
+            <a:ext cx="5323158" cy="707886"/>
           </a:xfrm>
           <a:prstGeom prst="rect">
             <a:avLst/>
@@ -5265,7 +5132,7 @@
           <p:cNvPr id="5" name="Group 4">
             <a:extLst>
               <a:ext uri="{FF2B5EF4-FFF2-40B4-BE49-F238E27FC236}">
-                <a16:creationId xmlns="" xmlns:a16="http://schemas.microsoft.com/office/drawing/2014/main" id="{D849EFB3-C838-47B4-82FD-1ACE28C08A14}"/>
+                <a16:creationId xmlns:a16="http://schemas.microsoft.com/office/drawing/2014/main" id="{D849EFB3-C838-47B4-82FD-1ACE28C08A14}"/>
               </a:ext>
             </a:extLst>
           </p:cNvPr>
@@ -5285,7 +5152,7 @@
             <p:cNvPr id="2" name="Picture 1">
               <a:extLst>
                 <a:ext uri="{FF2B5EF4-FFF2-40B4-BE49-F238E27FC236}">
-                  <a16:creationId xmlns="" xmlns:a16="http://schemas.microsoft.com/office/drawing/2014/main" id="{E69F7FE2-74C8-4C6D-93BB-A9F5042BDF22}"/>
+                  <a16:creationId xmlns:a16="http://schemas.microsoft.com/office/drawing/2014/main" id="{E69F7FE2-74C8-4C6D-93BB-A9F5042BDF22}"/>
                 </a:ext>
               </a:extLst>
             </p:cNvPr>
@@ -5293,7 +5160,7 @@
             <p:nvPr/>
           </p:nvPicPr>
           <p:blipFill rotWithShape="1">
-            <a:blip r:embed="rId3" cstate="print">
+            <a:blip r:embed="rId2" cstate="print">
               <a:extLst>
                 <a:ext uri="{28A0092B-C50C-407E-A947-70E740481C1C}">
                   <a14:useLocalDpi xmlns:a14="http://schemas.microsoft.com/office/drawing/2010/main" val="0"/>
@@ -5327,7 +5194,7 @@
             <p:cNvPr id="4" name="Picture 3">
               <a:extLst>
                 <a:ext uri="{FF2B5EF4-FFF2-40B4-BE49-F238E27FC236}">
-                  <a16:creationId xmlns="" xmlns:a16="http://schemas.microsoft.com/office/drawing/2014/main" id="{AA4C7BDD-F058-4262-9F69-79C39DA584A8}"/>
+                  <a16:creationId xmlns:a16="http://schemas.microsoft.com/office/drawing/2014/main" id="{AA4C7BDD-F058-4262-9F69-79C39DA584A8}"/>
                 </a:ext>
               </a:extLst>
             </p:cNvPr>
@@ -5337,7 +5204,7 @@
             <p:nvPr/>
           </p:nvPicPr>
           <p:blipFill>
-            <a:blip r:embed="rId4"/>
+            <a:blip r:embed="rId3"/>
             <a:stretch>
               <a:fillRect/>
             </a:stretch>
@@ -5369,15 +5236,6 @@
 <file path=ppt/slides/slide26.xml><?xml version="1.0" encoding="utf-8"?>
 <p:sld xmlns:a="http://schemas.openxmlformats.org/drawingml/2006/main" xmlns:r="http://schemas.openxmlformats.org/officeDocument/2006/relationships" xmlns:p="http://schemas.openxmlformats.org/presentationml/2006/main">
   <p:cSld>
-    <p:bg>
-      <p:bgPr>
-        <a:blipFill>
-          <a:blip r:embed="rId2"/>
-          <a:tile tx="0" ty="0" sx="100000" sy="100000" flip="none" algn="tl"/>
-        </a:blipFill>
-        <a:effectLst/>
-      </p:bgPr>
-    </p:bg>
     <p:spTree>
       <p:nvGrpSpPr>
         <p:cNvPr id="1" name=""/>
@@ -5397,7 +5255,7 @@
           <p:cNvPr id="2" name="Picture 1">
             <a:extLst>
               <a:ext uri="{FF2B5EF4-FFF2-40B4-BE49-F238E27FC236}">
-                <a16:creationId xmlns="" xmlns:a16="http://schemas.microsoft.com/office/drawing/2014/main" id="{6E08E7A0-F52A-4030-A259-3A8C3890827F}"/>
+                <a16:creationId xmlns:a16="http://schemas.microsoft.com/office/drawing/2014/main" id="{6E08E7A0-F52A-4030-A259-3A8C3890827F}"/>
               </a:ext>
             </a:extLst>
           </p:cNvPr>
@@ -5405,7 +5263,7 @@
           <p:nvPr/>
         </p:nvPicPr>
         <p:blipFill>
-          <a:blip r:embed="rId3" cstate="print">
+          <a:blip r:embed="rId2" cstate="print">
             <a:extLst>
               <a:ext uri="{28A0092B-C50C-407E-A947-70E740481C1C}">
                 <a14:useLocalDpi xmlns:a14="http://schemas.microsoft.com/office/drawing/2010/main" val="0"/>
@@ -5436,7 +5294,7 @@
           <p:cNvPr id="3" name="TextBox 2">
             <a:extLst>
               <a:ext uri="{FF2B5EF4-FFF2-40B4-BE49-F238E27FC236}">
-                <a16:creationId xmlns="" xmlns:a16="http://schemas.microsoft.com/office/drawing/2014/main" id="{71FEC7A1-F41A-4D0B-84B7-91F1E31A1915}"/>
+                <a16:creationId xmlns:a16="http://schemas.microsoft.com/office/drawing/2014/main" id="{71FEC7A1-F41A-4D0B-84B7-91F1E31A1915}"/>
               </a:ext>
             </a:extLst>
           </p:cNvPr>
@@ -5487,15 +5345,6 @@
 <file path=ppt/slides/slide27.xml><?xml version="1.0" encoding="utf-8"?>
 <p:sld xmlns:a="http://schemas.openxmlformats.org/drawingml/2006/main" xmlns:r="http://schemas.openxmlformats.org/officeDocument/2006/relationships" xmlns:p="http://schemas.openxmlformats.org/presentationml/2006/main">
   <p:cSld>
-    <p:bg>
-      <p:bgPr>
-        <a:blipFill>
-          <a:blip r:embed="rId2"/>
-          <a:tile tx="0" ty="0" sx="100000" sy="100000" flip="none" algn="tl"/>
-        </a:blipFill>
-        <a:effectLst/>
-      </p:bgPr>
-    </p:bg>
     <p:spTree>
       <p:nvGrpSpPr>
         <p:cNvPr id="1" name=""/>
@@ -5515,7 +5364,7 @@
           <p:cNvPr id="2" name="Picture 1">
             <a:extLst>
               <a:ext uri="{FF2B5EF4-FFF2-40B4-BE49-F238E27FC236}">
-                <a16:creationId xmlns="" xmlns:a16="http://schemas.microsoft.com/office/drawing/2014/main" id="{7A55C8DD-99BC-4C23-8C5A-A08868B298A0}"/>
+                <a16:creationId xmlns:a16="http://schemas.microsoft.com/office/drawing/2014/main" id="{7A55C8DD-99BC-4C23-8C5A-A08868B298A0}"/>
               </a:ext>
             </a:extLst>
           </p:cNvPr>
@@ -5523,7 +5372,7 @@
           <p:nvPr/>
         </p:nvPicPr>
         <p:blipFill>
-          <a:blip r:embed="rId3" cstate="print">
+          <a:blip r:embed="rId2" cstate="print">
             <a:extLst>
               <a:ext uri="{28A0092B-C50C-407E-A947-70E740481C1C}">
                 <a14:useLocalDpi xmlns:a14="http://schemas.microsoft.com/office/drawing/2010/main" val="0"/>
@@ -5537,7 +5386,7 @@
         </p:blipFill>
         <p:spPr bwMode="auto">
           <a:xfrm>
-            <a:off x="0" y="671332"/>
+            <a:off x="0" y="897474"/>
             <a:ext cx="12192000" cy="6186668"/>
           </a:xfrm>
           <a:prstGeom prst="rect">
@@ -5554,7 +5403,7 @@
           <p:cNvPr id="3" name="TextBox 2">
             <a:extLst>
               <a:ext uri="{FF2B5EF4-FFF2-40B4-BE49-F238E27FC236}">
-                <a16:creationId xmlns="" xmlns:a16="http://schemas.microsoft.com/office/drawing/2014/main" id="{362C7FAB-4CCA-44CB-BA77-50E9F2EE6189}"/>
+                <a16:creationId xmlns:a16="http://schemas.microsoft.com/office/drawing/2014/main" id="{362C7FAB-4CCA-44CB-BA77-50E9F2EE6189}"/>
               </a:ext>
             </a:extLst>
           </p:cNvPr>
@@ -5570,7 +5419,7 @@
             <a:avLst/>
           </a:prstGeom>
           <a:blipFill>
-            <a:blip r:embed="rId2"/>
+            <a:blip r:embed="rId3"/>
             <a:tile tx="0" ty="0" sx="100000" sy="100000" flip="none" algn="tl"/>
           </a:blipFill>
         </p:spPr>
@@ -5608,15 +5457,6 @@
 <file path=ppt/slides/slide28.xml><?xml version="1.0" encoding="utf-8"?>
 <p:sld xmlns:a="http://schemas.openxmlformats.org/drawingml/2006/main" xmlns:r="http://schemas.openxmlformats.org/officeDocument/2006/relationships" xmlns:p="http://schemas.openxmlformats.org/presentationml/2006/main">
   <p:cSld>
-    <p:bg>
-      <p:bgPr>
-        <a:blipFill>
-          <a:blip r:embed="rId2"/>
-          <a:tile tx="0" ty="0" sx="100000" sy="100000" flip="none" algn="tl"/>
-        </a:blipFill>
-        <a:effectLst/>
-      </p:bgPr>
-    </p:bg>
     <p:spTree>
       <p:nvGrpSpPr>
         <p:cNvPr id="1" name=""/>
@@ -5636,7 +5476,7 @@
           <p:cNvPr id="4" name="Group 3">
             <a:extLst>
               <a:ext uri="{FF2B5EF4-FFF2-40B4-BE49-F238E27FC236}">
-                <a16:creationId xmlns="" xmlns:a16="http://schemas.microsoft.com/office/drawing/2014/main" id="{C63023DE-A480-414B-A28D-139E8552EC29}"/>
+                <a16:creationId xmlns:a16="http://schemas.microsoft.com/office/drawing/2014/main" id="{C63023DE-A480-414B-A28D-139E8552EC29}"/>
               </a:ext>
             </a:extLst>
           </p:cNvPr>
@@ -5656,7 +5496,7 @@
             <p:cNvPr id="2" name="Picture 1">
               <a:extLst>
                 <a:ext uri="{FF2B5EF4-FFF2-40B4-BE49-F238E27FC236}">
-                  <a16:creationId xmlns="" xmlns:a16="http://schemas.microsoft.com/office/drawing/2014/main" id="{34C0D19C-B9DC-4969-B00F-0F7BC68EC383}"/>
+                  <a16:creationId xmlns:a16="http://schemas.microsoft.com/office/drawing/2014/main" id="{34C0D19C-B9DC-4969-B00F-0F7BC68EC383}"/>
                 </a:ext>
               </a:extLst>
             </p:cNvPr>
@@ -5664,7 +5504,7 @@
             <p:nvPr/>
           </p:nvPicPr>
           <p:blipFill rotWithShape="1">
-            <a:blip r:embed="rId3" cstate="print">
+            <a:blip r:embed="rId2" cstate="print">
               <a:extLst>
                 <a:ext uri="{28A0092B-C50C-407E-A947-70E740481C1C}">
                   <a14:useLocalDpi xmlns:a14="http://schemas.microsoft.com/office/drawing/2010/main" val="0"/>
@@ -5698,7 +5538,7 @@
             <p:cNvPr id="3" name="Picture 2">
               <a:extLst>
                 <a:ext uri="{FF2B5EF4-FFF2-40B4-BE49-F238E27FC236}">
-                  <a16:creationId xmlns="" xmlns:a16="http://schemas.microsoft.com/office/drawing/2014/main" id="{F35DD0A9-96F7-4C69-88FD-5B22F92E704D}"/>
+                  <a16:creationId xmlns:a16="http://schemas.microsoft.com/office/drawing/2014/main" id="{F35DD0A9-96F7-4C69-88FD-5B22F92E704D}"/>
                 </a:ext>
               </a:extLst>
             </p:cNvPr>
@@ -5708,7 +5548,7 @@
             <p:nvPr/>
           </p:nvPicPr>
           <p:blipFill>
-            <a:blip r:embed="rId4"/>
+            <a:blip r:embed="rId3"/>
             <a:stretch>
               <a:fillRect/>
             </a:stretch>
@@ -5729,7 +5569,7 @@
           <p:cNvPr id="5" name="TextBox 4">
             <a:extLst>
               <a:ext uri="{FF2B5EF4-FFF2-40B4-BE49-F238E27FC236}">
-                <a16:creationId xmlns="" xmlns:a16="http://schemas.microsoft.com/office/drawing/2014/main" id="{E9D55057-3627-436B-B6FE-1C392308A9FF}"/>
+                <a16:creationId xmlns:a16="http://schemas.microsoft.com/office/drawing/2014/main" id="{E9D55057-3627-436B-B6FE-1C392308A9FF}"/>
               </a:ext>
             </a:extLst>
           </p:cNvPr>
@@ -5780,15 +5620,6 @@
 <file path=ppt/slides/slide29.xml><?xml version="1.0" encoding="utf-8"?>
 <p:sld xmlns:a="http://schemas.openxmlformats.org/drawingml/2006/main" xmlns:r="http://schemas.openxmlformats.org/officeDocument/2006/relationships" xmlns:p="http://schemas.openxmlformats.org/presentationml/2006/main">
   <p:cSld>
-    <p:bg>
-      <p:bgPr>
-        <a:blipFill>
-          <a:blip r:embed="rId2"/>
-          <a:tile tx="0" ty="0" sx="100000" sy="100000" flip="none" algn="tl"/>
-        </a:blipFill>
-        <a:effectLst/>
-      </p:bgPr>
-    </p:bg>
     <p:spTree>
       <p:nvGrpSpPr>
         <p:cNvPr id="1" name=""/>
@@ -5808,7 +5639,7 @@
           <p:cNvPr id="2" name="Picture 1">
             <a:extLst>
               <a:ext uri="{FF2B5EF4-FFF2-40B4-BE49-F238E27FC236}">
-                <a16:creationId xmlns="" xmlns:a16="http://schemas.microsoft.com/office/drawing/2014/main" id="{C932A125-518F-4F73-828D-A01E2F1E1D75}"/>
+                <a16:creationId xmlns:a16="http://schemas.microsoft.com/office/drawing/2014/main" id="{C932A125-518F-4F73-828D-A01E2F1E1D75}"/>
               </a:ext>
             </a:extLst>
           </p:cNvPr>
@@ -5816,7 +5647,7 @@
           <p:nvPr/>
         </p:nvPicPr>
         <p:blipFill>
-          <a:blip r:embed="rId3" cstate="print">
+          <a:blip r:embed="rId2" cstate="print">
             <a:extLst>
               <a:ext uri="{28A0092B-C50C-407E-A947-70E740481C1C}">
                 <a14:useLocalDpi xmlns:a14="http://schemas.microsoft.com/office/drawing/2010/main" val="0"/>
@@ -5847,7 +5678,7 @@
           <p:cNvPr id="3" name="TextBox 2">
             <a:extLst>
               <a:ext uri="{FF2B5EF4-FFF2-40B4-BE49-F238E27FC236}">
-                <a16:creationId xmlns="" xmlns:a16="http://schemas.microsoft.com/office/drawing/2014/main" id="{8FBEBD3A-E212-4F8B-B4AE-4EA834B9BDF9}"/>
+                <a16:creationId xmlns:a16="http://schemas.microsoft.com/office/drawing/2014/main" id="{8FBEBD3A-E212-4F8B-B4AE-4EA834B9BDF9}"/>
               </a:ext>
             </a:extLst>
           </p:cNvPr>
@@ -5898,15 +5729,6 @@
 <file path=ppt/slides/slide3.xml><?xml version="1.0" encoding="utf-8"?>
 <p:sld xmlns:a="http://schemas.openxmlformats.org/drawingml/2006/main" xmlns:r="http://schemas.openxmlformats.org/officeDocument/2006/relationships" xmlns:p="http://schemas.openxmlformats.org/presentationml/2006/main">
   <p:cSld>
-    <p:bg>
-      <p:bgPr>
-        <a:blipFill>
-          <a:blip r:embed="rId2"/>
-          <a:tile tx="0" ty="0" sx="100000" sy="100000" flip="none" algn="tl"/>
-        </a:blipFill>
-        <a:effectLst/>
-      </p:bgPr>
-    </p:bg>
     <p:spTree>
       <p:nvGrpSpPr>
         <p:cNvPr id="1" name=""/>
@@ -5926,7 +5748,7 @@
           <p:cNvPr id="2" name="TextBox 1">
             <a:extLst>
               <a:ext uri="{FF2B5EF4-FFF2-40B4-BE49-F238E27FC236}">
-                <a16:creationId xmlns="" xmlns:a16="http://schemas.microsoft.com/office/drawing/2014/main" id="{93930897-163F-4FE5-8772-359372CAF3D5}"/>
+                <a16:creationId xmlns:a16="http://schemas.microsoft.com/office/drawing/2014/main" id="{93930897-163F-4FE5-8772-359372CAF3D5}"/>
               </a:ext>
             </a:extLst>
           </p:cNvPr>
@@ -5972,7 +5794,7 @@
           <p:cNvPr id="4" name="TextBox 3">
             <a:extLst>
               <a:ext uri="{FF2B5EF4-FFF2-40B4-BE49-F238E27FC236}">
-                <a16:creationId xmlns="" xmlns:a16="http://schemas.microsoft.com/office/drawing/2014/main" id="{9F37AF70-43D9-478E-A499-450A021F1633}"/>
+                <a16:creationId xmlns:a16="http://schemas.microsoft.com/office/drawing/2014/main" id="{9F37AF70-43D9-478E-A499-450A021F1633}"/>
               </a:ext>
             </a:extLst>
           </p:cNvPr>
@@ -5981,8 +5803,8 @@
         </p:nvSpPr>
         <p:spPr>
           <a:xfrm>
-            <a:off x="266220" y="951240"/>
-            <a:ext cx="11702003" cy="6186309"/>
+            <a:off x="266220" y="835493"/>
+            <a:ext cx="11925780" cy="5909310"/>
           </a:xfrm>
           <a:prstGeom prst="rect">
             <a:avLst/>
@@ -6008,12 +5830,6 @@
           </a:p>
           <a:p>
             <a:pPr algn="just"/>
-            <a:r>
-              <a:rPr lang="en-US" b="1" dirty="0">
-                <a:latin typeface="Montserrat SemiBold" panose="00000700000000000000" pitchFamily="2" charset="0"/>
-              </a:rPr>
-              <a:t/>
-            </a:r>
             <a:br>
               <a:rPr lang="en-US" b="1" dirty="0">
                 <a:latin typeface="Montserrat SemiBold" panose="00000700000000000000" pitchFamily="2" charset="0"/>
@@ -6031,6 +5847,54 @@
                 <a:latin typeface="Montserrat SemiBold" panose="00000700000000000000" pitchFamily="2" charset="0"/>
               </a:rPr>
               <a:t>Spring-Boot :– </a:t>
+            </a:r>
+          </a:p>
+          <a:p>
+            <a:pPr algn="just"/>
+            <a:r>
+              <a:rPr lang="en-US" dirty="0"/>
+              <a:t>	</a:t>
+            </a:r>
+            <a:r>
+              <a:rPr lang="en-US" dirty="0">
+                <a:latin typeface="Montserrat Medium" panose="00000600000000000000" pitchFamily="2" charset="0"/>
+              </a:rPr>
+              <a:t>Spring Boot is an open source Java-based framework used to build stand-alone and production ready spring applications. It is a project that is built on the top of the Spring Framework. The main goal of the Spring Boot framework is that it provides an easier and faster way to set up, configure, and run both simple and web-based applications thereby reduce overall development time and increase efficiency.</a:t>
+            </a:r>
+          </a:p>
+          <a:p>
+            <a:br>
+              <a:rPr lang="en-US" b="1" dirty="0">
+                <a:latin typeface="Montserrat SemiBold" panose="00000700000000000000" pitchFamily="2" charset="0"/>
+              </a:rPr>
+            </a:br>
+            <a:r>
+              <a:rPr lang="en-US" b="1" dirty="0">
+                <a:latin typeface="Montserrat SemiBold" panose="00000700000000000000" pitchFamily="2" charset="0"/>
+                <a:sym typeface="Symbol" panose="05050102010706020507" pitchFamily="18" charset="2"/>
+              </a:rPr>
+              <a:t> </a:t>
+            </a:r>
+            <a:r>
+              <a:rPr lang="en-US" b="1" dirty="0">
+                <a:latin typeface="Montserrat SemiBold" panose="00000700000000000000" pitchFamily="2" charset="0"/>
+              </a:rPr>
+              <a:t>React :– </a:t>
+            </a:r>
+          </a:p>
+          <a:p>
+            <a:pPr algn="just"/>
+            <a:r>
+              <a:rPr lang="en-US" b="1" dirty="0">
+                <a:latin typeface="Montserrat SemiBold" panose="00000700000000000000" pitchFamily="2" charset="0"/>
+              </a:rPr>
+              <a:t>	</a:t>
+            </a:r>
+            <a:r>
+              <a:rPr lang="en-US" dirty="0">
+                <a:latin typeface="Montserrat Medium" panose="00000600000000000000" pitchFamily="2" charset="0"/>
+              </a:rPr>
+              <a:t>React allows developers to create large web applications that can change data, without reloading the page. The main purpose of React is to be fast, scalable, and simple. React has become the first choice for frontend because it gives developers the ability to work with a virtual browser (more friendly than the real browser). Also, a JavaScript developer can become a productive developer in a few hours because there is a small API to learn, a few functions, and how to use them.</a:t>
             </a:r>
           </a:p>
           <a:p>
@@ -6044,117 +5908,29 @@
             <a:r>
               <a:rPr lang="en-US" b="1" dirty="0">
                 <a:latin typeface="Montserrat SemiBold" panose="00000700000000000000" pitchFamily="2" charset="0"/>
-              </a:rPr>
-              <a:t>	</a:t>
-            </a:r>
-            <a:r>
-              <a:rPr lang="en-US" dirty="0">
-                <a:latin typeface="Montserrat SemiBold" panose="00000700000000000000" pitchFamily="2" charset="0"/>
-              </a:rPr>
-              <a:t>The main goal of the Spring Boot framework is to reduce overall development time and increase efficiency. </a:t>
-            </a:r>
-          </a:p>
-          <a:p>
-            <a:pPr algn="just"/>
+                <a:sym typeface="Symbol" panose="05050102010706020507" pitchFamily="18" charset="2"/>
+              </a:rPr>
+              <a:t> </a:t>
+            </a:r>
             <a:r>
               <a:rPr lang="en-US" b="1" dirty="0">
                 <a:latin typeface="Montserrat SemiBold" panose="00000700000000000000" pitchFamily="2" charset="0"/>
               </a:rPr>
-              <a:t/>
-            </a:r>
-            <a:br>
-              <a:rPr lang="en-US" b="1" dirty="0">
-                <a:latin typeface="Montserrat SemiBold" panose="00000700000000000000" pitchFamily="2" charset="0"/>
-              </a:rPr>
-            </a:br>
-            <a:r>
-              <a:rPr lang="en-US" b="1" dirty="0">
-                <a:latin typeface="Montserrat SemiBold" panose="00000700000000000000" pitchFamily="2" charset="0"/>
-                <a:sym typeface="Symbol" panose="05050102010706020507" pitchFamily="18" charset="2"/>
-              </a:rPr>
-              <a:t> </a:t>
-            </a:r>
-            <a:r>
-              <a:rPr lang="en-US" b="1" dirty="0">
-                <a:latin typeface="Montserrat SemiBold" panose="00000700000000000000" pitchFamily="2" charset="0"/>
-              </a:rPr>
-              <a:t>React :– </a:t>
-            </a:r>
-          </a:p>
-          <a:p>
-            <a:pPr algn="just"/>
-            <a:endParaRPr lang="en-US" b="1" dirty="0">
-              <a:latin typeface="Montserrat SemiBold" panose="00000700000000000000" pitchFamily="2" charset="0"/>
-            </a:endParaRPr>
-          </a:p>
-          <a:p>
-            <a:pPr algn="just"/>
-            <a:r>
-              <a:rPr lang="en-US" b="1" dirty="0">
-                <a:latin typeface="Montserrat SemiBold" panose="00000700000000000000" pitchFamily="2" charset="0"/>
+              <a:t>MySQL:-</a:t>
+            </a:r>
+          </a:p>
+          <a:p>
+            <a:r>
+              <a:rPr lang="en-US" sz="1600" dirty="0">
+                <a:latin typeface="Montserrat Medium" panose="00000600000000000000" pitchFamily="2" charset="0"/>
               </a:rPr>
               <a:t>	</a:t>
             </a:r>
             <a:r>
               <a:rPr lang="en-US" dirty="0">
-                <a:latin typeface="Montserrat SemiBold" panose="00000700000000000000" pitchFamily="2" charset="0"/>
-              </a:rPr>
-              <a:t>React allows developers to create large web applications that can change data, without reloading the page. The main purpose of React is to be fast, scalable, and simple. React has become the first choice for frontend because it gives developers the ability to work with a virtual browser (more friendly than the real browser). Also, a JavaScript developer can become a productive developer in a few hours because there is a small API to learn, a few functions, and how to use them.</a:t>
-            </a:r>
-          </a:p>
-          <a:p>
-            <a:pPr algn="just"/>
-            <a:endParaRPr lang="en-US" b="1" dirty="0">
-              <a:latin typeface="Montserrat SemiBold" panose="00000700000000000000" pitchFamily="2" charset="0"/>
-            </a:endParaRPr>
-          </a:p>
-          <a:p>
-            <a:pPr algn="just"/>
-            <a:r>
-              <a:rPr lang="en-US" b="1" dirty="0">
-                <a:latin typeface="Montserrat SemiBold" panose="00000700000000000000" pitchFamily="2" charset="0"/>
-                <a:sym typeface="Symbol" panose="05050102010706020507" pitchFamily="18" charset="2"/>
-              </a:rPr>
-              <a:t> </a:t>
-            </a:r>
-            <a:r>
-              <a:rPr lang="en-US" b="1" dirty="0">
-                <a:latin typeface="Montserrat SemiBold" panose="00000700000000000000" pitchFamily="2" charset="0"/>
-              </a:rPr>
-              <a:t>MySQL:-</a:t>
-            </a:r>
-          </a:p>
-          <a:p>
-            <a:pPr algn="just"/>
-            <a:endParaRPr lang="en-US" b="1" dirty="0">
-              <a:latin typeface="Montserrat SemiBold" panose="00000700000000000000" pitchFamily="2" charset="0"/>
-            </a:endParaRPr>
-          </a:p>
-          <a:p>
-            <a:pPr algn="just"/>
-            <a:r>
-              <a:rPr lang="en-US" b="1" dirty="0">
-                <a:latin typeface="Montserrat SemiBold" panose="00000700000000000000" pitchFamily="2" charset="0"/>
-              </a:rPr>
-              <a:t>	</a:t>
-            </a:r>
-            <a:r>
-              <a:rPr lang="en-US" dirty="0">
-                <a:latin typeface="Montserrat SemiBold" panose="00000700000000000000" pitchFamily="2" charset="0"/>
-              </a:rPr>
-              <a:t>MySQL allows us to create relational database. We used MySQL because it is easy to learn and it is efficient to use. </a:t>
-            </a:r>
-          </a:p>
-          <a:p>
-            <a:pPr algn="just"/>
-            <a:r>
-              <a:rPr lang="en-US" dirty="0">
-                <a:solidFill>
-                  <a:srgbClr val="B464B4"/>
-                </a:solidFill>
-                <a:latin typeface="Montserrat SemiBold" panose="00000700000000000000" pitchFamily="2" charset="0"/>
-              </a:rPr>
-              <a:t/>
+                <a:latin typeface="Montserrat Medium" panose="00000600000000000000" pitchFamily="2" charset="0"/>
+              </a:rPr>
+              <a:t>MySQL is a relational database management system based on Structured Query Language. The application is used for a wide range of purposes, including data warehousing, e-commerce, logging applications, etc. </a:t>
             </a:r>
             <a:br>
               <a:rPr lang="en-US" dirty="0">
@@ -6189,15 +5965,6 @@
 <file path=ppt/slides/slide30.xml><?xml version="1.0" encoding="utf-8"?>
 <p:sld xmlns:a="http://schemas.openxmlformats.org/drawingml/2006/main" xmlns:r="http://schemas.openxmlformats.org/officeDocument/2006/relationships" xmlns:p="http://schemas.openxmlformats.org/presentationml/2006/main">
   <p:cSld>
-    <p:bg>
-      <p:bgPr>
-        <a:blipFill>
-          <a:blip r:embed="rId2"/>
-          <a:tile tx="0" ty="0" sx="100000" sy="100000" flip="none" algn="tl"/>
-        </a:blipFill>
-        <a:effectLst/>
-      </p:bgPr>
-    </p:bg>
     <p:spTree>
       <p:nvGrpSpPr>
         <p:cNvPr id="1" name=""/>
@@ -6217,7 +5984,7 @@
           <p:cNvPr id="2" name="Picture 1">
             <a:extLst>
               <a:ext uri="{FF2B5EF4-FFF2-40B4-BE49-F238E27FC236}">
-                <a16:creationId xmlns="" xmlns:a16="http://schemas.microsoft.com/office/drawing/2014/main" id="{994B6B24-DB4E-4749-AA5E-F5F7755C1C4F}"/>
+                <a16:creationId xmlns:a16="http://schemas.microsoft.com/office/drawing/2014/main" id="{994B6B24-DB4E-4749-AA5E-F5F7755C1C4F}"/>
               </a:ext>
             </a:extLst>
           </p:cNvPr>
@@ -6225,7 +5992,7 @@
           <p:nvPr/>
         </p:nvPicPr>
         <p:blipFill>
-          <a:blip r:embed="rId3" cstate="print">
+          <a:blip r:embed="rId2" cstate="print">
             <a:extLst>
               <a:ext uri="{28A0092B-C50C-407E-A947-70E740481C1C}">
                 <a14:useLocalDpi xmlns:a14="http://schemas.microsoft.com/office/drawing/2010/main" val="0"/>
@@ -6256,7 +6023,7 @@
           <p:cNvPr id="3" name="TextBox 2">
             <a:extLst>
               <a:ext uri="{FF2B5EF4-FFF2-40B4-BE49-F238E27FC236}">
-                <a16:creationId xmlns="" xmlns:a16="http://schemas.microsoft.com/office/drawing/2014/main" id="{3DF45458-BB8D-4560-8AB8-5CC581218BDE}"/>
+                <a16:creationId xmlns:a16="http://schemas.microsoft.com/office/drawing/2014/main" id="{3DF45458-BB8D-4560-8AB8-5CC581218BDE}"/>
               </a:ext>
             </a:extLst>
           </p:cNvPr>
@@ -6307,15 +6074,6 @@
 <file path=ppt/slides/slide31.xml><?xml version="1.0" encoding="utf-8"?>
 <p:sld xmlns:a="http://schemas.openxmlformats.org/drawingml/2006/main" xmlns:r="http://schemas.openxmlformats.org/officeDocument/2006/relationships" xmlns:p="http://schemas.openxmlformats.org/presentationml/2006/main">
   <p:cSld>
-    <p:bg>
-      <p:bgPr>
-        <a:blipFill>
-          <a:blip r:embed="rId2"/>
-          <a:tile tx="0" ty="0" sx="100000" sy="100000" flip="none" algn="tl"/>
-        </a:blipFill>
-        <a:effectLst/>
-      </p:bgPr>
-    </p:bg>
     <p:spTree>
       <p:nvGrpSpPr>
         <p:cNvPr id="1" name=""/>
@@ -6335,7 +6093,7 @@
           <p:cNvPr id="4" name="Group 3">
             <a:extLst>
               <a:ext uri="{FF2B5EF4-FFF2-40B4-BE49-F238E27FC236}">
-                <a16:creationId xmlns="" xmlns:a16="http://schemas.microsoft.com/office/drawing/2014/main" id="{A6F191F5-5D49-4A2E-874B-D6E340D32668}"/>
+                <a16:creationId xmlns:a16="http://schemas.microsoft.com/office/drawing/2014/main" id="{A6F191F5-5D49-4A2E-874B-D6E340D32668}"/>
               </a:ext>
             </a:extLst>
           </p:cNvPr>
@@ -6355,7 +6113,7 @@
             <p:cNvPr id="3" name="TextBox 2">
               <a:extLst>
                 <a:ext uri="{FF2B5EF4-FFF2-40B4-BE49-F238E27FC236}">
-                  <a16:creationId xmlns="" xmlns:a16="http://schemas.microsoft.com/office/drawing/2014/main" id="{CA9A5A84-C221-4CD6-8A98-7C89839BDC46}"/>
+                  <a16:creationId xmlns:a16="http://schemas.microsoft.com/office/drawing/2014/main" id="{CA9A5A84-C221-4CD6-8A98-7C89839BDC46}"/>
                 </a:ext>
               </a:extLst>
             </p:cNvPr>
@@ -6395,7 +6153,7 @@
             <p:cNvPr id="2" name="TextBox 1">
               <a:extLst>
                 <a:ext uri="{FF2B5EF4-FFF2-40B4-BE49-F238E27FC236}">
-                  <a16:creationId xmlns="" xmlns:a16="http://schemas.microsoft.com/office/drawing/2014/main" id="{073AEE50-5DCE-4776-97EB-99301A516C38}"/>
+                  <a16:creationId xmlns:a16="http://schemas.microsoft.com/office/drawing/2014/main" id="{073AEE50-5DCE-4776-97EB-99301A516C38}"/>
                 </a:ext>
               </a:extLst>
             </p:cNvPr>
@@ -6444,15 +6202,6 @@
 <file path=ppt/slides/slide4.xml><?xml version="1.0" encoding="utf-8"?>
 <p:sld xmlns:a="http://schemas.openxmlformats.org/drawingml/2006/main" xmlns:r="http://schemas.openxmlformats.org/officeDocument/2006/relationships" xmlns:p="http://schemas.openxmlformats.org/presentationml/2006/main">
   <p:cSld>
-    <p:bg>
-      <p:bgPr>
-        <a:blipFill>
-          <a:blip r:embed="rId2"/>
-          <a:tile tx="0" ty="0" sx="100000" sy="100000" flip="none" algn="tl"/>
-        </a:blipFill>
-        <a:effectLst/>
-      </p:bgPr>
-    </p:bg>
     <p:spTree>
       <p:nvGrpSpPr>
         <p:cNvPr id="1" name=""/>
@@ -6472,7 +6221,7 @@
           <p:cNvPr id="2" name="TextBox 1">
             <a:extLst>
               <a:ext uri="{FF2B5EF4-FFF2-40B4-BE49-F238E27FC236}">
-                <a16:creationId xmlns="" xmlns:a16="http://schemas.microsoft.com/office/drawing/2014/main" id="{97DD6246-F426-4B04-B6C6-4033CBB85AD5}"/>
+                <a16:creationId xmlns:a16="http://schemas.microsoft.com/office/drawing/2014/main" id="{97DD6246-F426-4B04-B6C6-4033CBB85AD5}"/>
               </a:ext>
             </a:extLst>
           </p:cNvPr>
@@ -6512,7 +6261,277 @@
           <p:cNvPr id="11" name="Picture 10">
             <a:extLst>
               <a:ext uri="{FF2B5EF4-FFF2-40B4-BE49-F238E27FC236}">
-                <a16:creationId xmlns="" xmlns:a16="http://schemas.microsoft.com/office/drawing/2014/main" id="{FB452A1D-999F-473B-AADB-FA8DE2B2B131}"/>
+                <a16:creationId xmlns:a16="http://schemas.microsoft.com/office/drawing/2014/main" id="{FB452A1D-999F-473B-AADB-FA8DE2B2B131}"/>
+              </a:ext>
+            </a:extLst>
+          </p:cNvPr>
+          <p:cNvPicPr>
+            <a:picLocks noChangeAspect="1"/>
+          </p:cNvPicPr>
+          <p:nvPr/>
+        </p:nvPicPr>
+        <p:blipFill>
+          <a:blip r:embed="rId2">
+            <a:extLst>
+              <a:ext uri="{28A0092B-C50C-407E-A947-70E740481C1C}">
+                <a14:useLocalDpi xmlns:a14="http://schemas.microsoft.com/office/drawing/2010/main" val="0"/>
+              </a:ext>
+            </a:extLst>
+          </a:blip>
+          <a:stretch>
+            <a:fillRect/>
+          </a:stretch>
+        </p:blipFill>
+        <p:spPr>
+          <a:xfrm>
+            <a:off x="1036928" y="1981197"/>
+            <a:ext cx="2161941" cy="2093089"/>
+          </a:xfrm>
+          <a:prstGeom prst="rect">
+            <a:avLst/>
+          </a:prstGeom>
+        </p:spPr>
+      </p:pic>
+      <p:sp>
+        <p:nvSpPr>
+          <p:cNvPr id="12" name="TextBox 11">
+            <a:extLst>
+              <a:ext uri="{FF2B5EF4-FFF2-40B4-BE49-F238E27FC236}">
+                <a16:creationId xmlns:a16="http://schemas.microsoft.com/office/drawing/2014/main" id="{21602BA3-02D4-402B-AD41-7B229702B984}"/>
+              </a:ext>
+            </a:extLst>
+          </p:cNvPr>
+          <p:cNvSpPr txBox="1"/>
+          <p:nvPr/>
+        </p:nvSpPr>
+        <p:spPr>
+          <a:xfrm>
+            <a:off x="1655179" y="4350150"/>
+            <a:ext cx="1157469" cy="381965"/>
+          </a:xfrm>
+          <a:prstGeom prst="rect">
+            <a:avLst/>
+          </a:prstGeom>
+          <a:noFill/>
+        </p:spPr>
+        <p:txBody>
+          <a:bodyPr wrap="square" rtlCol="0">
+            <a:spAutoFit/>
+          </a:bodyPr>
+          <a:lstStyle/>
+          <a:p>
+            <a:r>
+              <a:rPr lang="en-US" b="1" dirty="0">
+                <a:solidFill>
+                  <a:srgbClr val="C00000"/>
+                </a:solidFill>
+                <a:latin typeface="Montserrat SemiBold" panose="00000700000000000000" pitchFamily="2" charset="0"/>
+              </a:rPr>
+              <a:t>Admin</a:t>
+            </a:r>
+          </a:p>
+        </p:txBody>
+      </p:sp>
+      <p:sp>
+        <p:nvSpPr>
+          <p:cNvPr id="13" name="TextBox 12">
+            <a:extLst>
+              <a:ext uri="{FF2B5EF4-FFF2-40B4-BE49-F238E27FC236}">
+                <a16:creationId xmlns:a16="http://schemas.microsoft.com/office/drawing/2014/main" id="{C9A8659C-5D9F-4E93-BE5E-C51ECADA5BDD}"/>
+              </a:ext>
+            </a:extLst>
+          </p:cNvPr>
+          <p:cNvSpPr txBox="1"/>
+          <p:nvPr/>
+        </p:nvSpPr>
+        <p:spPr>
+          <a:xfrm>
+            <a:off x="1036928" y="4732115"/>
+            <a:ext cx="2268102" cy="2062103"/>
+          </a:xfrm>
+          <a:prstGeom prst="rect">
+            <a:avLst/>
+          </a:prstGeom>
+          <a:noFill/>
+        </p:spPr>
+        <p:txBody>
+          <a:bodyPr wrap="square" rtlCol="0">
+            <a:spAutoFit/>
+          </a:bodyPr>
+          <a:lstStyle/>
+          <a:p>
+            <a:pPr algn="ctr"/>
+            <a:r>
+              <a:rPr lang="en-US" sz="1600" dirty="0">
+                <a:latin typeface="Montserrat Medium" panose="00000600000000000000" pitchFamily="2" charset="0"/>
+              </a:rPr>
+              <a:t>In this module, Admin can register, update, delete student, teacher as well as admin and various other features</a:t>
+            </a:r>
+          </a:p>
+        </p:txBody>
+      </p:sp>
+      <p:sp>
+        <p:nvSpPr>
+          <p:cNvPr id="14" name="TextBox 13">
+            <a:extLst>
+              <a:ext uri="{FF2B5EF4-FFF2-40B4-BE49-F238E27FC236}">
+                <a16:creationId xmlns:a16="http://schemas.microsoft.com/office/drawing/2014/main" id="{5EC2565C-A995-476E-9B82-8F91D6A30BCA}"/>
+              </a:ext>
+            </a:extLst>
+          </p:cNvPr>
+          <p:cNvSpPr txBox="1"/>
+          <p:nvPr/>
+        </p:nvSpPr>
+        <p:spPr>
+          <a:xfrm>
+            <a:off x="5517265" y="4350151"/>
+            <a:ext cx="1157469" cy="381965"/>
+          </a:xfrm>
+          <a:prstGeom prst="rect">
+            <a:avLst/>
+          </a:prstGeom>
+          <a:noFill/>
+        </p:spPr>
+        <p:txBody>
+          <a:bodyPr wrap="square" rtlCol="0">
+            <a:spAutoFit/>
+          </a:bodyPr>
+          <a:lstStyle/>
+          <a:p>
+            <a:r>
+              <a:rPr lang="en-US" b="1" dirty="0">
+                <a:solidFill>
+                  <a:srgbClr val="C00000"/>
+                </a:solidFill>
+                <a:latin typeface="Montserrat SemiBold" panose="00000700000000000000" pitchFamily="2" charset="0"/>
+              </a:rPr>
+              <a:t>Teacher</a:t>
+            </a:r>
+          </a:p>
+        </p:txBody>
+      </p:sp>
+      <p:sp>
+        <p:nvSpPr>
+          <p:cNvPr id="15" name="TextBox 14">
+            <a:extLst>
+              <a:ext uri="{FF2B5EF4-FFF2-40B4-BE49-F238E27FC236}">
+                <a16:creationId xmlns:a16="http://schemas.microsoft.com/office/drawing/2014/main" id="{E3736512-967C-490A-AAC6-C912BF10EE8C}"/>
+              </a:ext>
+            </a:extLst>
+          </p:cNvPr>
+          <p:cNvSpPr txBox="1"/>
+          <p:nvPr/>
+        </p:nvSpPr>
+        <p:spPr>
+          <a:xfrm>
+            <a:off x="4961948" y="4732115"/>
+            <a:ext cx="2268102" cy="1815882"/>
+          </a:xfrm>
+          <a:prstGeom prst="rect">
+            <a:avLst/>
+          </a:prstGeom>
+          <a:noFill/>
+        </p:spPr>
+        <p:txBody>
+          <a:bodyPr wrap="square" rtlCol="0">
+            <a:spAutoFit/>
+          </a:bodyPr>
+          <a:lstStyle/>
+          <a:p>
+            <a:pPr algn="ctr"/>
+            <a:r>
+              <a:rPr lang="en-US" sz="1600" dirty="0">
+                <a:latin typeface="Montserrat Medium" panose="00000600000000000000" pitchFamily="2" charset="0"/>
+              </a:rPr>
+              <a:t>In this module, Teacher can add marks, add notice, add attendance, and various other things</a:t>
+            </a:r>
+          </a:p>
+        </p:txBody>
+      </p:sp>
+      <p:sp>
+        <p:nvSpPr>
+          <p:cNvPr id="16" name="TextBox 15">
+            <a:extLst>
+              <a:ext uri="{FF2B5EF4-FFF2-40B4-BE49-F238E27FC236}">
+                <a16:creationId xmlns:a16="http://schemas.microsoft.com/office/drawing/2014/main" id="{C95C923D-BD40-4E50-BDD9-C2AEEF7E8BAD}"/>
+              </a:ext>
+            </a:extLst>
+          </p:cNvPr>
+          <p:cNvSpPr txBox="1"/>
+          <p:nvPr/>
+        </p:nvSpPr>
+        <p:spPr>
+          <a:xfrm>
+            <a:off x="9803757" y="4350152"/>
+            <a:ext cx="1157469" cy="381965"/>
+          </a:xfrm>
+          <a:prstGeom prst="rect">
+            <a:avLst/>
+          </a:prstGeom>
+          <a:noFill/>
+        </p:spPr>
+        <p:txBody>
+          <a:bodyPr wrap="square" rtlCol="0">
+            <a:spAutoFit/>
+          </a:bodyPr>
+          <a:lstStyle/>
+          <a:p>
+            <a:r>
+              <a:rPr lang="en-US" b="1" dirty="0">
+                <a:solidFill>
+                  <a:srgbClr val="C00000"/>
+                </a:solidFill>
+                <a:latin typeface="Montserrat SemiBold" panose="00000700000000000000" pitchFamily="2" charset="0"/>
+              </a:rPr>
+              <a:t>Student</a:t>
+            </a:r>
+          </a:p>
+        </p:txBody>
+      </p:sp>
+      <p:sp>
+        <p:nvSpPr>
+          <p:cNvPr id="17" name="TextBox 16">
+            <a:extLst>
+              <a:ext uri="{FF2B5EF4-FFF2-40B4-BE49-F238E27FC236}">
+                <a16:creationId xmlns:a16="http://schemas.microsoft.com/office/drawing/2014/main" id="{5029D922-9068-44C6-825F-952066EAE5E3}"/>
+              </a:ext>
+            </a:extLst>
+          </p:cNvPr>
+          <p:cNvSpPr txBox="1"/>
+          <p:nvPr/>
+        </p:nvSpPr>
+        <p:spPr>
+          <a:xfrm>
+            <a:off x="9248440" y="4732115"/>
+            <a:ext cx="2268102" cy="1569660"/>
+          </a:xfrm>
+          <a:prstGeom prst="rect">
+            <a:avLst/>
+          </a:prstGeom>
+          <a:noFill/>
+        </p:spPr>
+        <p:txBody>
+          <a:bodyPr wrap="square" rtlCol="0">
+            <a:spAutoFit/>
+          </a:bodyPr>
+          <a:lstStyle/>
+          <a:p>
+            <a:pPr algn="ctr"/>
+            <a:r>
+              <a:rPr lang="en-US" sz="1600" dirty="0">
+                <a:latin typeface="Montserrat Medium" panose="00000600000000000000" pitchFamily="2" charset="0"/>
+              </a:rPr>
+              <a:t>In this module, Student can view attendance, add fees and view marks various other things</a:t>
+            </a:r>
+          </a:p>
+        </p:txBody>
+      </p:sp>
+      <p:pic>
+        <p:nvPicPr>
+          <p:cNvPr id="19" name="Picture 18">
+            <a:extLst>
+              <a:ext uri="{FF2B5EF4-FFF2-40B4-BE49-F238E27FC236}">
+                <a16:creationId xmlns:a16="http://schemas.microsoft.com/office/drawing/2014/main" id="{A8217EA5-95DF-4328-A007-C3FD6A2C9580}"/>
               </a:ext>
             </a:extLst>
           </p:cNvPr>
@@ -6535,254 +6554,20 @@
         </p:blipFill>
         <p:spPr>
           <a:xfrm>
-            <a:off x="1036928" y="1981197"/>
-            <a:ext cx="2161941" cy="2093089"/>
+            <a:off x="9344628" y="1981198"/>
+            <a:ext cx="2081060" cy="2093089"/>
           </a:xfrm>
           <a:prstGeom prst="rect">
             <a:avLst/>
           </a:prstGeom>
         </p:spPr>
       </p:pic>
-      <p:sp>
-        <p:nvSpPr>
-          <p:cNvPr id="12" name="TextBox 11">
-            <a:extLst>
-              <a:ext uri="{FF2B5EF4-FFF2-40B4-BE49-F238E27FC236}">
-                <a16:creationId xmlns="" xmlns:a16="http://schemas.microsoft.com/office/drawing/2014/main" id="{21602BA3-02D4-402B-AD41-7B229702B984}"/>
-              </a:ext>
-            </a:extLst>
-          </p:cNvPr>
-          <p:cNvSpPr txBox="1"/>
-          <p:nvPr/>
-        </p:nvSpPr>
-        <p:spPr>
-          <a:xfrm>
-            <a:off x="1655179" y="4350150"/>
-            <a:ext cx="1157469" cy="381965"/>
-          </a:xfrm>
-          <a:prstGeom prst="rect">
-            <a:avLst/>
-          </a:prstGeom>
-          <a:noFill/>
-        </p:spPr>
-        <p:txBody>
-          <a:bodyPr wrap="square" rtlCol="0">
-            <a:spAutoFit/>
-          </a:bodyPr>
-          <a:lstStyle/>
-          <a:p>
-            <a:r>
-              <a:rPr lang="en-US" b="1" dirty="0">
-                <a:solidFill>
-                  <a:srgbClr val="C00000"/>
-                </a:solidFill>
-                <a:latin typeface="Montserrat SemiBold" panose="00000700000000000000" pitchFamily="2" charset="0"/>
-              </a:rPr>
-              <a:t>Admin</a:t>
-            </a:r>
-          </a:p>
-        </p:txBody>
-      </p:sp>
-      <p:sp>
-        <p:nvSpPr>
-          <p:cNvPr id="13" name="TextBox 12">
-            <a:extLst>
-              <a:ext uri="{FF2B5EF4-FFF2-40B4-BE49-F238E27FC236}">
-                <a16:creationId xmlns="" xmlns:a16="http://schemas.microsoft.com/office/drawing/2014/main" id="{C9A8659C-5D9F-4E93-BE5E-C51ECADA5BDD}"/>
-              </a:ext>
-            </a:extLst>
-          </p:cNvPr>
-          <p:cNvSpPr txBox="1"/>
-          <p:nvPr/>
-        </p:nvSpPr>
-        <p:spPr>
-          <a:xfrm>
-            <a:off x="1036928" y="4732115"/>
-            <a:ext cx="2268102" cy="2062103"/>
-          </a:xfrm>
-          <a:prstGeom prst="rect">
-            <a:avLst/>
-          </a:prstGeom>
-          <a:noFill/>
-        </p:spPr>
-        <p:txBody>
-          <a:bodyPr wrap="square" rtlCol="0">
-            <a:spAutoFit/>
-          </a:bodyPr>
-          <a:lstStyle/>
-          <a:p>
-            <a:pPr algn="ctr"/>
-            <a:r>
-              <a:rPr lang="en-US" sz="1600" dirty="0">
-                <a:latin typeface="Montserrat Medium" panose="00000600000000000000" pitchFamily="2" charset="0"/>
-              </a:rPr>
-              <a:t>In this module, Admin can register, update, delete student, teacher as well as admin and various other features</a:t>
-            </a:r>
-          </a:p>
-        </p:txBody>
-      </p:sp>
-      <p:sp>
-        <p:nvSpPr>
-          <p:cNvPr id="14" name="TextBox 13">
-            <a:extLst>
-              <a:ext uri="{FF2B5EF4-FFF2-40B4-BE49-F238E27FC236}">
-                <a16:creationId xmlns="" xmlns:a16="http://schemas.microsoft.com/office/drawing/2014/main" id="{5EC2565C-A995-476E-9B82-8F91D6A30BCA}"/>
-              </a:ext>
-            </a:extLst>
-          </p:cNvPr>
-          <p:cNvSpPr txBox="1"/>
-          <p:nvPr/>
-        </p:nvSpPr>
-        <p:spPr>
-          <a:xfrm>
-            <a:off x="5517265" y="4350151"/>
-            <a:ext cx="1157469" cy="381965"/>
-          </a:xfrm>
-          <a:prstGeom prst="rect">
-            <a:avLst/>
-          </a:prstGeom>
-          <a:noFill/>
-        </p:spPr>
-        <p:txBody>
-          <a:bodyPr wrap="square" rtlCol="0">
-            <a:spAutoFit/>
-          </a:bodyPr>
-          <a:lstStyle/>
-          <a:p>
-            <a:r>
-              <a:rPr lang="en-US" b="1" dirty="0">
-                <a:solidFill>
-                  <a:srgbClr val="C00000"/>
-                </a:solidFill>
-                <a:latin typeface="Montserrat SemiBold" panose="00000700000000000000" pitchFamily="2" charset="0"/>
-              </a:rPr>
-              <a:t>Teacher</a:t>
-            </a:r>
-          </a:p>
-        </p:txBody>
-      </p:sp>
-      <p:sp>
-        <p:nvSpPr>
-          <p:cNvPr id="15" name="TextBox 14">
-            <a:extLst>
-              <a:ext uri="{FF2B5EF4-FFF2-40B4-BE49-F238E27FC236}">
-                <a16:creationId xmlns="" xmlns:a16="http://schemas.microsoft.com/office/drawing/2014/main" id="{E3736512-967C-490A-AAC6-C912BF10EE8C}"/>
-              </a:ext>
-            </a:extLst>
-          </p:cNvPr>
-          <p:cNvSpPr txBox="1"/>
-          <p:nvPr/>
-        </p:nvSpPr>
-        <p:spPr>
-          <a:xfrm>
-            <a:off x="4961948" y="4732115"/>
-            <a:ext cx="2268102" cy="1815882"/>
-          </a:xfrm>
-          <a:prstGeom prst="rect">
-            <a:avLst/>
-          </a:prstGeom>
-          <a:noFill/>
-        </p:spPr>
-        <p:txBody>
-          <a:bodyPr wrap="square" rtlCol="0">
-            <a:spAutoFit/>
-          </a:bodyPr>
-          <a:lstStyle/>
-          <a:p>
-            <a:pPr algn="ctr"/>
-            <a:r>
-              <a:rPr lang="en-US" sz="1600" dirty="0">
-                <a:latin typeface="Montserrat Medium" panose="00000600000000000000" pitchFamily="2" charset="0"/>
-              </a:rPr>
-              <a:t>In this module, Teacher can add marks, add notice, add attendance, and various other things</a:t>
-            </a:r>
-          </a:p>
-        </p:txBody>
-      </p:sp>
-      <p:sp>
-        <p:nvSpPr>
-          <p:cNvPr id="16" name="TextBox 15">
-            <a:extLst>
-              <a:ext uri="{FF2B5EF4-FFF2-40B4-BE49-F238E27FC236}">
-                <a16:creationId xmlns="" xmlns:a16="http://schemas.microsoft.com/office/drawing/2014/main" id="{C95C923D-BD40-4E50-BDD9-C2AEEF7E8BAD}"/>
-              </a:ext>
-            </a:extLst>
-          </p:cNvPr>
-          <p:cNvSpPr txBox="1"/>
-          <p:nvPr/>
-        </p:nvSpPr>
-        <p:spPr>
-          <a:xfrm>
-            <a:off x="9803757" y="4350152"/>
-            <a:ext cx="1157469" cy="381965"/>
-          </a:xfrm>
-          <a:prstGeom prst="rect">
-            <a:avLst/>
-          </a:prstGeom>
-          <a:noFill/>
-        </p:spPr>
-        <p:txBody>
-          <a:bodyPr wrap="square" rtlCol="0">
-            <a:spAutoFit/>
-          </a:bodyPr>
-          <a:lstStyle/>
-          <a:p>
-            <a:r>
-              <a:rPr lang="en-US" b="1" dirty="0">
-                <a:solidFill>
-                  <a:srgbClr val="C00000"/>
-                </a:solidFill>
-                <a:latin typeface="Montserrat SemiBold" panose="00000700000000000000" pitchFamily="2" charset="0"/>
-              </a:rPr>
-              <a:t>Student</a:t>
-            </a:r>
-          </a:p>
-        </p:txBody>
-      </p:sp>
-      <p:sp>
-        <p:nvSpPr>
-          <p:cNvPr id="17" name="TextBox 16">
-            <a:extLst>
-              <a:ext uri="{FF2B5EF4-FFF2-40B4-BE49-F238E27FC236}">
-                <a16:creationId xmlns="" xmlns:a16="http://schemas.microsoft.com/office/drawing/2014/main" id="{5029D922-9068-44C6-825F-952066EAE5E3}"/>
-              </a:ext>
-            </a:extLst>
-          </p:cNvPr>
-          <p:cNvSpPr txBox="1"/>
-          <p:nvPr/>
-        </p:nvSpPr>
-        <p:spPr>
-          <a:xfrm>
-            <a:off x="9248440" y="4732115"/>
-            <a:ext cx="2268102" cy="1569660"/>
-          </a:xfrm>
-          <a:prstGeom prst="rect">
-            <a:avLst/>
-          </a:prstGeom>
-          <a:noFill/>
-        </p:spPr>
-        <p:txBody>
-          <a:bodyPr wrap="square" rtlCol="0">
-            <a:spAutoFit/>
-          </a:bodyPr>
-          <a:lstStyle/>
-          <a:p>
-            <a:pPr algn="ctr"/>
-            <a:r>
-              <a:rPr lang="en-US" sz="1600" dirty="0">
-                <a:latin typeface="Montserrat Medium" panose="00000600000000000000" pitchFamily="2" charset="0"/>
-              </a:rPr>
-              <a:t>In this module, Student can view attendance, add fees and view marks various other things</a:t>
-            </a:r>
-          </a:p>
-        </p:txBody>
-      </p:sp>
       <p:pic>
         <p:nvPicPr>
-          <p:cNvPr id="19" name="Picture 18">
+          <p:cNvPr id="21" name="Picture 20">
             <a:extLst>
               <a:ext uri="{FF2B5EF4-FFF2-40B4-BE49-F238E27FC236}">
-                <a16:creationId xmlns="" xmlns:a16="http://schemas.microsoft.com/office/drawing/2014/main" id="{A8217EA5-95DF-4328-A007-C3FD6A2C9580}"/>
+                <a16:creationId xmlns:a16="http://schemas.microsoft.com/office/drawing/2014/main" id="{5E0C78D4-2683-4FF2-A355-05B5414DB2D2}"/>
               </a:ext>
             </a:extLst>
           </p:cNvPr>
@@ -6793,42 +6578,6 @@
         </p:nvPicPr>
         <p:blipFill>
           <a:blip r:embed="rId4">
-            <a:extLst>
-              <a:ext uri="{28A0092B-C50C-407E-A947-70E740481C1C}">
-                <a14:useLocalDpi xmlns:a14="http://schemas.microsoft.com/office/drawing/2010/main" val="0"/>
-              </a:ext>
-            </a:extLst>
-          </a:blip>
-          <a:stretch>
-            <a:fillRect/>
-          </a:stretch>
-        </p:blipFill>
-        <p:spPr>
-          <a:xfrm>
-            <a:off x="9344628" y="1981198"/>
-            <a:ext cx="2081060" cy="2093089"/>
-          </a:xfrm>
-          <a:prstGeom prst="rect">
-            <a:avLst/>
-          </a:prstGeom>
-        </p:spPr>
-      </p:pic>
-      <p:pic>
-        <p:nvPicPr>
-          <p:cNvPr id="21" name="Picture 20">
-            <a:extLst>
-              <a:ext uri="{FF2B5EF4-FFF2-40B4-BE49-F238E27FC236}">
-                <a16:creationId xmlns="" xmlns:a16="http://schemas.microsoft.com/office/drawing/2014/main" id="{5E0C78D4-2683-4FF2-A355-05B5414DB2D2}"/>
-              </a:ext>
-            </a:extLst>
-          </p:cNvPr>
-          <p:cNvPicPr>
-            <a:picLocks noChangeAspect="1"/>
-          </p:cNvPicPr>
-          <p:nvPr/>
-        </p:nvPicPr>
-        <p:blipFill>
-          <a:blip r:embed="rId5">
             <a:extLst>
               <a:ext uri="{28A0092B-C50C-407E-A947-70E740481C1C}">
                 <a14:useLocalDpi xmlns:a14="http://schemas.microsoft.com/office/drawing/2010/main" val="0"/>
@@ -6865,15 +6614,6 @@
 <file path=ppt/slides/slide5.xml><?xml version="1.0" encoding="utf-8"?>
 <p:sld xmlns:a="http://schemas.openxmlformats.org/drawingml/2006/main" xmlns:r="http://schemas.openxmlformats.org/officeDocument/2006/relationships" xmlns:p="http://schemas.openxmlformats.org/presentationml/2006/main">
   <p:cSld>
-    <p:bg>
-      <p:bgPr>
-        <a:blipFill>
-          <a:blip r:embed="rId2"/>
-          <a:tile tx="0" ty="0" sx="100000" sy="100000" flip="none" algn="tl"/>
-        </a:blipFill>
-        <a:effectLst/>
-      </p:bgPr>
-    </p:bg>
     <p:spTree>
       <p:nvGrpSpPr>
         <p:cNvPr id="1" name=""/>
@@ -6893,7 +6633,7 @@
           <p:cNvPr id="2" name="TextBox 1">
             <a:extLst>
               <a:ext uri="{FF2B5EF4-FFF2-40B4-BE49-F238E27FC236}">
-                <a16:creationId xmlns="" xmlns:a16="http://schemas.microsoft.com/office/drawing/2014/main" id="{A3592181-AB9E-4130-A947-B52DC9E150B1}"/>
+                <a16:creationId xmlns:a16="http://schemas.microsoft.com/office/drawing/2014/main" id="{A3592181-AB9E-4130-A947-B52DC9E150B1}"/>
               </a:ext>
             </a:extLst>
           </p:cNvPr>
@@ -6933,7 +6673,7 @@
           <p:cNvPr id="3" name="TextBox 2">
             <a:extLst>
               <a:ext uri="{FF2B5EF4-FFF2-40B4-BE49-F238E27FC236}">
-                <a16:creationId xmlns="" xmlns:a16="http://schemas.microsoft.com/office/drawing/2014/main" id="{3BF3F6F2-6D72-4286-B1F6-D9C642EC979E}"/>
+                <a16:creationId xmlns:a16="http://schemas.microsoft.com/office/drawing/2014/main" id="{3BF3F6F2-6D72-4286-B1F6-D9C642EC979E}"/>
               </a:ext>
             </a:extLst>
           </p:cNvPr>
@@ -6976,19 +6716,7 @@
               <a:rPr lang="en-US" sz="2400" b="1" dirty="0">
                 <a:latin typeface="Montserrat SemiBold" panose="00000700000000000000" pitchFamily="2" charset="0"/>
               </a:rPr>
-              <a:t>It also provide easy interface for admin, teacher and </a:t>
-            </a:r>
-            <a:r>
-              <a:rPr lang="en-US" sz="2400" b="1" dirty="0" smtClean="0">
-                <a:latin typeface="Montserrat SemiBold" panose="00000700000000000000" pitchFamily="2" charset="0"/>
-              </a:rPr>
-              <a:t>student to </a:t>
-            </a:r>
-            <a:r>
-              <a:rPr lang="en-US" sz="2400" b="1" dirty="0">
-                <a:latin typeface="Montserrat SemiBold" panose="00000700000000000000" pitchFamily="2" charset="0"/>
-              </a:rPr>
-              <a:t>perform their related operations.</a:t>
+              <a:t>It also provide easy interface for admin, teacher and student to perform their related operations.</a:t>
             </a:r>
           </a:p>
           <a:p>
@@ -7066,15 +6794,6 @@
 <file path=ppt/slides/slide6.xml><?xml version="1.0" encoding="utf-8"?>
 <p:sld xmlns:a="http://schemas.openxmlformats.org/drawingml/2006/main" xmlns:r="http://schemas.openxmlformats.org/officeDocument/2006/relationships" xmlns:p="http://schemas.openxmlformats.org/presentationml/2006/main">
   <p:cSld>
-    <p:bg>
-      <p:bgPr>
-        <a:blipFill>
-          <a:blip r:embed="rId2"/>
-          <a:tile tx="0" ty="0" sx="100000" sy="100000" flip="none" algn="tl"/>
-        </a:blipFill>
-        <a:effectLst/>
-      </p:bgPr>
-    </p:bg>
     <p:spTree>
       <p:nvGrpSpPr>
         <p:cNvPr id="1" name=""/>
@@ -7094,7 +6813,7 @@
           <p:cNvPr id="2" name="TextBox 1">
             <a:extLst>
               <a:ext uri="{FF2B5EF4-FFF2-40B4-BE49-F238E27FC236}">
-                <a16:creationId xmlns="" xmlns:a16="http://schemas.microsoft.com/office/drawing/2014/main" id="{D2379505-3C01-482A-821E-59ACB4610B0C}"/>
+                <a16:creationId xmlns:a16="http://schemas.microsoft.com/office/drawing/2014/main" id="{D2379505-3C01-482A-821E-59ACB4610B0C}"/>
               </a:ext>
             </a:extLst>
           </p:cNvPr>
@@ -7134,7 +6853,7 @@
           <p:cNvPr id="4" name="Picture 3">
             <a:extLst>
               <a:ext uri="{FF2B5EF4-FFF2-40B4-BE49-F238E27FC236}">
-                <a16:creationId xmlns="" xmlns:a16="http://schemas.microsoft.com/office/drawing/2014/main" id="{C978B991-0446-4456-8082-3380597816B4}"/>
+                <a16:creationId xmlns:a16="http://schemas.microsoft.com/office/drawing/2014/main" id="{C978B991-0446-4456-8082-3380597816B4}"/>
               </a:ext>
             </a:extLst>
           </p:cNvPr>
@@ -7144,7 +6863,7 @@
           <p:nvPr/>
         </p:nvPicPr>
         <p:blipFill>
-          <a:blip r:embed="rId3">
+          <a:blip r:embed="rId2">
             <a:extLst>
               <a:ext uri="{28A0092B-C50C-407E-A947-70E740481C1C}">
                 <a14:useLocalDpi xmlns:a14="http://schemas.microsoft.com/office/drawing/2010/main" val="0"/>
@@ -7170,7 +6889,7 @@
           <p:cNvPr id="14" name="TextBox 13">
             <a:extLst>
               <a:ext uri="{FF2B5EF4-FFF2-40B4-BE49-F238E27FC236}">
-                <a16:creationId xmlns="" xmlns:a16="http://schemas.microsoft.com/office/drawing/2014/main" id="{CF9D67E7-D1FD-40FF-B64A-80BE562EB0C3}"/>
+                <a16:creationId xmlns:a16="http://schemas.microsoft.com/office/drawing/2014/main" id="{CF9D67E7-D1FD-40FF-B64A-80BE562EB0C3}"/>
               </a:ext>
             </a:extLst>
           </p:cNvPr>
@@ -7330,15 +7049,6 @@
 <file path=ppt/slides/slide7.xml><?xml version="1.0" encoding="utf-8"?>
 <p:sld xmlns:a="http://schemas.openxmlformats.org/drawingml/2006/main" xmlns:r="http://schemas.openxmlformats.org/officeDocument/2006/relationships" xmlns:p="http://schemas.openxmlformats.org/presentationml/2006/main">
   <p:cSld>
-    <p:bg>
-      <p:bgPr>
-        <a:blipFill>
-          <a:blip r:embed="rId2"/>
-          <a:tile tx="0" ty="0" sx="100000" sy="100000" flip="none" algn="tl"/>
-        </a:blipFill>
-        <a:effectLst/>
-      </p:bgPr>
-    </p:bg>
     <p:spTree>
       <p:nvGrpSpPr>
         <p:cNvPr id="1" name=""/>
@@ -7358,7 +7068,7 @@
           <p:cNvPr id="2" name="TextBox 1">
             <a:extLst>
               <a:ext uri="{FF2B5EF4-FFF2-40B4-BE49-F238E27FC236}">
-                <a16:creationId xmlns="" xmlns:a16="http://schemas.microsoft.com/office/drawing/2014/main" id="{63ED31C7-9FEC-4B32-968C-EBC51BA5B001}"/>
+                <a16:creationId xmlns:a16="http://schemas.microsoft.com/office/drawing/2014/main" id="{63ED31C7-9FEC-4B32-968C-EBC51BA5B001}"/>
               </a:ext>
             </a:extLst>
           </p:cNvPr>
@@ -7398,7 +7108,7 @@
           <p:cNvPr id="3" name="TextBox 2">
             <a:extLst>
               <a:ext uri="{FF2B5EF4-FFF2-40B4-BE49-F238E27FC236}">
-                <a16:creationId xmlns="" xmlns:a16="http://schemas.microsoft.com/office/drawing/2014/main" id="{749273B0-117C-4358-ADEA-67113EC02041}"/>
+                <a16:creationId xmlns:a16="http://schemas.microsoft.com/office/drawing/2014/main" id="{749273B0-117C-4358-ADEA-67113EC02041}"/>
               </a:ext>
             </a:extLst>
           </p:cNvPr>
@@ -7567,7 +7277,7 @@
           <p:cNvPr id="4" name="Picture 3">
             <a:extLst>
               <a:ext uri="{FF2B5EF4-FFF2-40B4-BE49-F238E27FC236}">
-                <a16:creationId xmlns="" xmlns:a16="http://schemas.microsoft.com/office/drawing/2014/main" id="{DE2821C7-BE70-4BDB-A008-6F8348B96CBB}"/>
+                <a16:creationId xmlns:a16="http://schemas.microsoft.com/office/drawing/2014/main" id="{DE2821C7-BE70-4BDB-A008-6F8348B96CBB}"/>
               </a:ext>
             </a:extLst>
           </p:cNvPr>
@@ -7577,7 +7287,7 @@
           <p:nvPr/>
         </p:nvPicPr>
         <p:blipFill>
-          <a:blip r:embed="rId3">
+          <a:blip r:embed="rId2">
             <a:extLst>
               <a:ext uri="{28A0092B-C50C-407E-A947-70E740481C1C}">
                 <a14:useLocalDpi xmlns:a14="http://schemas.microsoft.com/office/drawing/2010/main" val="0"/>
@@ -7614,15 +7324,6 @@
 <file path=ppt/slides/slide8.xml><?xml version="1.0" encoding="utf-8"?>
 <p:sld xmlns:a="http://schemas.openxmlformats.org/drawingml/2006/main" xmlns:r="http://schemas.openxmlformats.org/officeDocument/2006/relationships" xmlns:p="http://schemas.openxmlformats.org/presentationml/2006/main">
   <p:cSld>
-    <p:bg>
-      <p:bgPr>
-        <a:blipFill>
-          <a:blip r:embed="rId2"/>
-          <a:tile tx="0" ty="0" sx="100000" sy="100000" flip="none" algn="tl"/>
-        </a:blipFill>
-        <a:effectLst/>
-      </p:bgPr>
-    </p:bg>
     <p:spTree>
       <p:nvGrpSpPr>
         <p:cNvPr id="1" name=""/>
@@ -7642,7 +7343,7 @@
           <p:cNvPr id="2" name="TextBox 1">
             <a:extLst>
               <a:ext uri="{FF2B5EF4-FFF2-40B4-BE49-F238E27FC236}">
-                <a16:creationId xmlns="" xmlns:a16="http://schemas.microsoft.com/office/drawing/2014/main" id="{6DC5D808-21DD-4312-81ED-6A0F07770E0E}"/>
+                <a16:creationId xmlns:a16="http://schemas.microsoft.com/office/drawing/2014/main" id="{6DC5D808-21DD-4312-81ED-6A0F07770E0E}"/>
               </a:ext>
             </a:extLst>
           </p:cNvPr>
@@ -7682,7 +7383,7 @@
           <p:cNvPr id="5" name="TextBox 4">
             <a:extLst>
               <a:ext uri="{FF2B5EF4-FFF2-40B4-BE49-F238E27FC236}">
-                <a16:creationId xmlns="" xmlns:a16="http://schemas.microsoft.com/office/drawing/2014/main" id="{A450CB71-F4A9-4D63-B999-794985309D88}"/>
+                <a16:creationId xmlns:a16="http://schemas.microsoft.com/office/drawing/2014/main" id="{A450CB71-F4A9-4D63-B999-794985309D88}"/>
               </a:ext>
             </a:extLst>
           </p:cNvPr>
@@ -7801,7 +7502,7 @@
           <p:cNvPr id="6" name="Picture 5">
             <a:extLst>
               <a:ext uri="{FF2B5EF4-FFF2-40B4-BE49-F238E27FC236}">
-                <a16:creationId xmlns="" xmlns:a16="http://schemas.microsoft.com/office/drawing/2014/main" id="{E47B9695-5102-48A0-A219-27D4BF8ED416}"/>
+                <a16:creationId xmlns:a16="http://schemas.microsoft.com/office/drawing/2014/main" id="{E47B9695-5102-48A0-A219-27D4BF8ED416}"/>
               </a:ext>
             </a:extLst>
           </p:cNvPr>
@@ -7811,7 +7512,7 @@
           <p:nvPr/>
         </p:nvPicPr>
         <p:blipFill>
-          <a:blip r:embed="rId3">
+          <a:blip r:embed="rId2">
             <a:extLst>
               <a:ext uri="{28A0092B-C50C-407E-A947-70E740481C1C}">
                 <a14:useLocalDpi xmlns:a14="http://schemas.microsoft.com/office/drawing/2010/main" val="0"/>
@@ -7848,15 +7549,6 @@
 <file path=ppt/slides/slide9.xml><?xml version="1.0" encoding="utf-8"?>
 <p:sld xmlns:a="http://schemas.openxmlformats.org/drawingml/2006/main" xmlns:r="http://schemas.openxmlformats.org/officeDocument/2006/relationships" xmlns:p="http://schemas.openxmlformats.org/presentationml/2006/main">
   <p:cSld>
-    <p:bg>
-      <p:bgPr>
-        <a:blipFill>
-          <a:blip r:embed="rId2"/>
-          <a:tile tx="0" ty="0" sx="100000" sy="100000" flip="none" algn="tl"/>
-        </a:blipFill>
-        <a:effectLst/>
-      </p:bgPr>
-    </p:bg>
     <p:spTree>
       <p:nvGrpSpPr>
         <p:cNvPr id="1" name=""/>
@@ -7873,10 +7565,10 @@
       </p:grpSpPr>
       <p:sp>
         <p:nvSpPr>
-          <p:cNvPr id="3" name="TextBox 2">
+          <p:cNvPr id="2" name="TextBox 1">
             <a:extLst>
               <a:ext uri="{FF2B5EF4-FFF2-40B4-BE49-F238E27FC236}">
-                <a16:creationId xmlns="" xmlns:a16="http://schemas.microsoft.com/office/drawing/2014/main" id="{C177FE86-04D6-4905-8B53-F9BC5541FB58}"/>
+                <a16:creationId xmlns:a16="http://schemas.microsoft.com/office/drawing/2014/main" id="{8B0D3C51-C007-411C-8D54-282091B5BADE}"/>
               </a:ext>
             </a:extLst>
           </p:cNvPr>
@@ -7885,8 +7577,8 @@
         </p:nvSpPr>
         <p:spPr>
           <a:xfrm>
-            <a:off x="1817225" y="1747777"/>
-            <a:ext cx="7222603" cy="369332"/>
+            <a:off x="266220" y="120243"/>
+            <a:ext cx="2916818" cy="1323439"/>
           </a:xfrm>
           <a:prstGeom prst="rect">
             <a:avLst/>
@@ -7900,24 +7592,77 @@
           <a:lstStyle/>
           <a:p>
             <a:r>
-              <a:rPr lang="en-US" dirty="0"/>
-              <a:t>Database reverse </a:t>
-            </a:r>
-            <a:r>
-              <a:rPr lang="en-US" dirty="0" err="1"/>
-              <a:t>enginnered</a:t>
-            </a:r>
-            <a:r>
-              <a:rPr lang="en-US" dirty="0"/>
-              <a:t> image</a:t>
-            </a:r>
-          </a:p>
-        </p:txBody>
-      </p:sp>
+              <a:rPr lang="en-US" sz="4000" b="1" u="sng" dirty="0">
+                <a:solidFill>
+                  <a:srgbClr val="C00000"/>
+                </a:solidFill>
+                <a:latin typeface="Montserrat ExtraBold" panose="00000900000000000000" pitchFamily="2" charset="0"/>
+              </a:rPr>
+              <a:t>USE CASE</a:t>
+            </a:r>
+          </a:p>
+          <a:p>
+            <a:r>
+              <a:rPr lang="en-US" sz="4000" b="1" u="sng" dirty="0">
+                <a:solidFill>
+                  <a:srgbClr val="C00000"/>
+                </a:solidFill>
+                <a:latin typeface="Montserrat ExtraBold" panose="00000900000000000000" pitchFamily="2" charset="0"/>
+              </a:rPr>
+              <a:t>DIAGRAM</a:t>
+            </a:r>
+          </a:p>
+        </p:txBody>
+      </p:sp>
+      <p:pic>
+        <p:nvPicPr>
+          <p:cNvPr id="3" name="Picture 2">
+            <a:extLst>
+              <a:ext uri="{FF2B5EF4-FFF2-40B4-BE49-F238E27FC236}">
+                <a16:creationId xmlns:a16="http://schemas.microsoft.com/office/drawing/2014/main" id="{1D14FF6A-140C-40BD-8C8C-825D91B73475}"/>
+              </a:ext>
+            </a:extLst>
+          </p:cNvPr>
+          <p:cNvPicPr/>
+          <p:nvPr/>
+        </p:nvPicPr>
+        <p:blipFill>
+          <a:blip r:embed="rId2">
+            <a:extLst>
+              <a:ext uri="{28A0092B-C50C-407E-A947-70E740481C1C}">
+                <a14:useLocalDpi xmlns:a14="http://schemas.microsoft.com/office/drawing/2010/main" val="0"/>
+              </a:ext>
+            </a:extLst>
+          </a:blip>
+          <a:srcRect/>
+          <a:stretch>
+            <a:fillRect/>
+          </a:stretch>
+        </p:blipFill>
+        <p:spPr bwMode="auto">
+          <a:xfrm>
+            <a:off x="3260377" y="120243"/>
+            <a:ext cx="8553157" cy="6617514"/>
+          </a:xfrm>
+          <a:prstGeom prst="rect">
+            <a:avLst/>
+          </a:prstGeom>
+          <a:ln>
+            <a:noFill/>
+          </a:ln>
+          <a:effectLst>
+            <a:outerShdw blurRad="292100" dist="139700" dir="2700000" algn="tl" rotWithShape="0">
+              <a:srgbClr val="333333">
+                <a:alpha val="65000"/>
+              </a:srgbClr>
+            </a:outerShdw>
+          </a:effectLst>
+        </p:spPr>
+      </p:pic>
     </p:spTree>
     <p:extLst>
       <p:ext uri="{BB962C8B-B14F-4D97-AF65-F5344CB8AC3E}">
-        <p14:creationId xmlns:p14="http://schemas.microsoft.com/office/powerpoint/2010/main" val="601750922"/>
+        <p14:creationId xmlns:p14="http://schemas.microsoft.com/office/powerpoint/2010/main" val="2102012577"/>
       </p:ext>
     </p:extLst>
   </p:cSld>

--- a/PPT_FINAL.pptx
+++ b/PPT_FINAL.pptx
@@ -3376,12 +3376,52 @@
           <a:chExt cx="0" cy="0"/>
         </a:xfrm>
       </p:grpSpPr>
+      <p:sp>
+        <p:nvSpPr>
+          <p:cNvPr id="4" name="TextBox 3">
+            <a:extLst>
+              <a:ext uri="{FF2B5EF4-FFF2-40B4-BE49-F238E27FC236}">
+                <a16:creationId xmlns:a16="http://schemas.microsoft.com/office/drawing/2014/main" id="{AA3A2E45-9868-4BD9-B2D2-335AF5F6B1A1}"/>
+              </a:ext>
+            </a:extLst>
+          </p:cNvPr>
+          <p:cNvSpPr txBox="1"/>
+          <p:nvPr/>
+        </p:nvSpPr>
+        <p:spPr>
+          <a:xfrm>
+            <a:off x="4186873" y="0"/>
+            <a:ext cx="3930876" cy="707886"/>
+          </a:xfrm>
+          <a:prstGeom prst="rect">
+            <a:avLst/>
+          </a:prstGeom>
+          <a:noFill/>
+        </p:spPr>
+        <p:txBody>
+          <a:bodyPr wrap="square" rtlCol="0">
+            <a:spAutoFit/>
+          </a:bodyPr>
+          <a:lstStyle/>
+          <a:p>
+            <a:r>
+              <a:rPr lang="en-US" sz="4000" b="1" u="sng" dirty="0">
+                <a:solidFill>
+                  <a:srgbClr val="C00000"/>
+                </a:solidFill>
+                <a:latin typeface="Montserrat ExtraBold" panose="00000900000000000000" pitchFamily="2" charset="0"/>
+              </a:rPr>
+              <a:t>ER DIAGRAM</a:t>
+            </a:r>
+          </a:p>
+        </p:txBody>
+      </p:sp>
       <p:pic>
         <p:nvPicPr>
-          <p:cNvPr id="2" name="Picture 1">
+          <p:cNvPr id="5" name="Picture 4">
             <a:extLst>
               <a:ext uri="{FF2B5EF4-FFF2-40B4-BE49-F238E27FC236}">
-                <a16:creationId xmlns:a16="http://schemas.microsoft.com/office/drawing/2014/main" id="{762DAF1B-B677-486F-95BC-90BE491288A4}"/>
+                <a16:creationId xmlns:a16="http://schemas.microsoft.com/office/drawing/2014/main" id="{3AA65811-3E81-4A93-A828-D96F7777EEAD}"/>
               </a:ext>
             </a:extLst>
           </p:cNvPr>
@@ -3391,63 +3431,27 @@
           <p:nvPr/>
         </p:nvPicPr>
         <p:blipFill>
-          <a:blip r:embed="rId2"/>
+          <a:blip r:embed="rId2">
+            <a:extLst>
+              <a:ext uri="{28A0092B-C50C-407E-A947-70E740481C1C}">
+                <a14:useLocalDpi xmlns:a14="http://schemas.microsoft.com/office/drawing/2010/main" val="0"/>
+              </a:ext>
+            </a:extLst>
+          </a:blip>
           <a:stretch>
             <a:fillRect/>
           </a:stretch>
         </p:blipFill>
         <p:spPr>
           <a:xfrm>
-            <a:off x="182879" y="427175"/>
-            <a:ext cx="11938863" cy="6567985"/>
+            <a:off x="2517322" y="707886"/>
+            <a:ext cx="7157356" cy="6092877"/>
           </a:xfrm>
           <a:prstGeom prst="rect">
             <a:avLst/>
           </a:prstGeom>
-          <a:noFill/>
-          <a:effectLst/>
         </p:spPr>
       </p:pic>
-      <p:sp>
-        <p:nvSpPr>
-          <p:cNvPr id="4" name="TextBox 3">
-            <a:extLst>
-              <a:ext uri="{FF2B5EF4-FFF2-40B4-BE49-F238E27FC236}">
-                <a16:creationId xmlns:a16="http://schemas.microsoft.com/office/drawing/2014/main" id="{AA3A2E45-9868-4BD9-B2D2-335AF5F6B1A1}"/>
-              </a:ext>
-            </a:extLst>
-          </p:cNvPr>
-          <p:cNvSpPr txBox="1"/>
-          <p:nvPr/>
-        </p:nvSpPr>
-        <p:spPr>
-          <a:xfrm>
-            <a:off x="4186873" y="0"/>
-            <a:ext cx="3930876" cy="707886"/>
-          </a:xfrm>
-          <a:prstGeom prst="rect">
-            <a:avLst/>
-          </a:prstGeom>
-          <a:noFill/>
-        </p:spPr>
-        <p:txBody>
-          <a:bodyPr wrap="square" rtlCol="0">
-            <a:spAutoFit/>
-          </a:bodyPr>
-          <a:lstStyle/>
-          <a:p>
-            <a:r>
-              <a:rPr lang="en-US" sz="4000" b="1" u="sng" dirty="0">
-                <a:solidFill>
-                  <a:srgbClr val="C00000"/>
-                </a:solidFill>
-                <a:latin typeface="Montserrat ExtraBold" panose="00000900000000000000" pitchFamily="2" charset="0"/>
-              </a:rPr>
-              <a:t>ER DIAGRAM</a:t>
-            </a:r>
-          </a:p>
-        </p:txBody>
-      </p:sp>
     </p:spTree>
     <p:extLst>
       <p:ext uri="{BB962C8B-B14F-4D97-AF65-F5344CB8AC3E}">

--- a/PPT_FINAL.pptx
+++ b/PPT_FINAL.pptx
@@ -3484,10 +3484,10 @@
       </p:grpSpPr>
       <p:pic>
         <p:nvPicPr>
-          <p:cNvPr id="4" name="Picture 3">
+          <p:cNvPr id="3" name="Picture 2">
             <a:extLst>
               <a:ext uri="{FF2B5EF4-FFF2-40B4-BE49-F238E27FC236}">
-                <a16:creationId xmlns:a16="http://schemas.microsoft.com/office/drawing/2014/main" id="{ABDF74B5-D428-40ED-9641-FFE2C5E5E69B}"/>
+                <a16:creationId xmlns:a16="http://schemas.microsoft.com/office/drawing/2014/main" id="{351C25FB-B877-408C-814C-FDC491642666}"/>
               </a:ext>
             </a:extLst>
           </p:cNvPr>
@@ -3510,8 +3510,8 @@
         </p:blipFill>
         <p:spPr>
           <a:xfrm>
-            <a:off x="2768727" y="152400"/>
-            <a:ext cx="7258050" cy="6553200"/>
+            <a:off x="2397760" y="135933"/>
+            <a:ext cx="7714942" cy="6586133"/>
           </a:xfrm>
           <a:prstGeom prst="rect">
             <a:avLst/>

--- a/PPT_FINAL.pptx
+++ b/PPT_FINAL.pptx
@@ -6646,7 +6646,7 @@
         </p:nvSpPr>
         <p:spPr>
           <a:xfrm>
-            <a:off x="266220" y="120243"/>
+            <a:off x="266220" y="65379"/>
             <a:ext cx="9583838" cy="707886"/>
           </a:xfrm>
           <a:prstGeom prst="rect">
